--- a/Dokumentation/Präsentation.pptx
+++ b/Dokumentation/Präsentation.pptx
@@ -20748,7 +20748,7 @@
         <p:spPr bwMode="auto">
           <a:xfrm flipH="0" flipV="0">
             <a:off x="287336" y="1321969"/>
-            <a:ext cx="6723631" cy="475612"/>
+            <a:ext cx="2600970" cy="475612"/>
           </a:xfrm>
         </p:spPr>
         <p:txBody>
@@ -20935,28 +20935,6 @@
           </a:p>
         </p:txBody>
       </p:sp>
-      <p:pic>
-        <p:nvPicPr>
-          <p:cNvPr id="1643499023" name=""/>
-          <p:cNvPicPr>
-            <a:picLocks noChangeAspect="1"/>
-          </p:cNvPicPr>
-          <p:nvPr/>
-        </p:nvPicPr>
-        <p:blipFill>
-          <a:blip r:embed="rId3"/>
-          <a:stretch/>
-        </p:blipFill>
-        <p:spPr bwMode="auto">
-          <a:xfrm flipH="0" flipV="0">
-            <a:off x="4270061" y="1797582"/>
-            <a:ext cx="3642811" cy="2183191"/>
-          </a:xfrm>
-          <a:prstGeom prst="rect">
-            <a:avLst/>
-          </a:prstGeom>
-        </p:spPr>
-      </p:pic>
       <p:sp>
         <p:nvSpPr>
           <p:cNvPr id="2085487989" name=""/>
@@ -20965,7 +20943,7 @@
         </p:nvSpPr>
         <p:spPr bwMode="auto">
           <a:xfrm flipH="0" flipV="0">
-            <a:off x="489671" y="2083974"/>
+            <a:off x="489671" y="1797582"/>
             <a:ext cx="3159480" cy="366119"/>
           </a:xfrm>
           <a:prstGeom prst="rect">
@@ -20991,6 +20969,375 @@
           </a:p>
         </p:txBody>
       </p:sp>
+      <p:sp>
+        <p:nvSpPr>
+          <p:cNvPr id="1392261736" name=""/>
+          <p:cNvSpPr/>
+          <p:nvPr/>
+        </p:nvSpPr>
+        <p:spPr bwMode="auto">
+          <a:xfrm flipH="0" flipV="0">
+            <a:off x="3952997" y="2722268"/>
+            <a:ext cx="1633903" cy="410307"/>
+          </a:xfrm>
+          <a:prstGeom prst="rect">
+            <a:avLst/>
+          </a:prstGeom>
+        </p:spPr>
+        <p:style>
+          <a:lnRef idx="2">
+            <a:schemeClr val="accent1">
+              <a:shade val="50000"/>
+            </a:schemeClr>
+          </a:lnRef>
+          <a:fillRef idx="1">
+            <a:schemeClr val="accent1"/>
+          </a:fillRef>
+          <a:effectRef idx="0">
+            <a:schemeClr val="accent1"/>
+          </a:effectRef>
+          <a:fontRef idx="minor">
+            <a:schemeClr val="lt1"/>
+          </a:fontRef>
+        </p:style>
+        <p:txBody>
+          <a:bodyPr/>
+          <a:p>
+            <a:pPr>
+              <a:defRPr/>
+            </a:pPr>
+            <a:r>
+              <a:rPr/>
+              <a:t>Repository</a:t>
+            </a:r>
+            <a:endParaRPr/>
+          </a:p>
+        </p:txBody>
+      </p:sp>
+      <p:sp>
+        <p:nvSpPr>
+          <p:cNvPr id="1400911209" name=""/>
+          <p:cNvSpPr/>
+          <p:nvPr/>
+        </p:nvSpPr>
+        <p:spPr bwMode="auto">
+          <a:xfrm flipH="0" flipV="0">
+            <a:off x="1482904" y="2722268"/>
+            <a:ext cx="1633902" cy="410306"/>
+          </a:xfrm>
+          <a:prstGeom prst="rect">
+            <a:avLst/>
+          </a:prstGeom>
+        </p:spPr>
+        <p:style>
+          <a:lnRef idx="2">
+            <a:schemeClr val="accent1">
+              <a:shade val="50000"/>
+            </a:schemeClr>
+          </a:lnRef>
+          <a:fillRef idx="1">
+            <a:schemeClr val="accent1"/>
+          </a:fillRef>
+          <a:effectRef idx="0">
+            <a:schemeClr val="accent1"/>
+          </a:effectRef>
+          <a:fontRef idx="minor">
+            <a:schemeClr val="lt1"/>
+          </a:fontRef>
+        </p:style>
+        <p:txBody>
+          <a:bodyPr/>
+          <a:p>
+            <a:pPr>
+              <a:defRPr/>
+            </a:pPr>
+            <a:r>
+              <a:rPr/>
+              <a:t>UseCases</a:t>
+            </a:r>
+            <a:endParaRPr/>
+          </a:p>
+        </p:txBody>
+      </p:sp>
+      <p:sp>
+        <p:nvSpPr>
+          <p:cNvPr id="729621495" name=""/>
+          <p:cNvSpPr/>
+          <p:nvPr/>
+        </p:nvSpPr>
+        <p:spPr bwMode="auto">
+          <a:xfrm flipH="0" flipV="0">
+            <a:off x="6560771" y="2722268"/>
+            <a:ext cx="1633902" cy="410306"/>
+          </a:xfrm>
+          <a:prstGeom prst="rect">
+            <a:avLst/>
+          </a:prstGeom>
+        </p:spPr>
+        <p:style>
+          <a:lnRef idx="2">
+            <a:schemeClr val="accent1">
+              <a:shade val="50000"/>
+            </a:schemeClr>
+          </a:lnRef>
+          <a:fillRef idx="1">
+            <a:schemeClr val="accent1"/>
+          </a:fillRef>
+          <a:effectRef idx="0">
+            <a:schemeClr val="accent1"/>
+          </a:effectRef>
+          <a:fontRef idx="minor">
+            <a:schemeClr val="lt1"/>
+          </a:fontRef>
+        </p:style>
+        <p:txBody>
+          <a:bodyPr/>
+          <a:p>
+            <a:pPr>
+              <a:defRPr/>
+            </a:pPr>
+            <a:r>
+              <a:rPr u="sng"/>
+              <a:t>Datenbank</a:t>
+            </a:r>
+            <a:endParaRPr u="sng"/>
+          </a:p>
+        </p:txBody>
+      </p:sp>
+      <p:sp>
+        <p:nvSpPr>
+          <p:cNvPr id="623801952" name=""/>
+          <p:cNvSpPr/>
+          <p:nvPr/>
+        </p:nvSpPr>
+        <p:spPr bwMode="auto">
+          <a:xfrm flipH="0" flipV="0">
+            <a:off x="6560771" y="1559776"/>
+            <a:ext cx="1633902" cy="410306"/>
+          </a:xfrm>
+          <a:prstGeom prst="rect">
+            <a:avLst/>
+          </a:prstGeom>
+        </p:spPr>
+        <p:style>
+          <a:lnRef idx="2">
+            <a:schemeClr val="accent1">
+              <a:shade val="50000"/>
+            </a:schemeClr>
+          </a:lnRef>
+          <a:fillRef idx="1">
+            <a:schemeClr val="accent1"/>
+          </a:fillRef>
+          <a:effectRef idx="0">
+            <a:schemeClr val="accent1"/>
+          </a:effectRef>
+          <a:fontRef idx="minor">
+            <a:schemeClr val="lt1"/>
+          </a:fontRef>
+        </p:style>
+        <p:txBody>
+          <a:bodyPr/>
+          <a:p>
+            <a:pPr>
+              <a:defRPr/>
+            </a:pPr>
+            <a:r>
+              <a:rPr/>
+              <a:t>Remote-API</a:t>
+            </a:r>
+            <a:endParaRPr/>
+          </a:p>
+        </p:txBody>
+      </p:sp>
+      <p:sp>
+        <p:nvSpPr>
+          <p:cNvPr id="1774099541" name=""/>
+          <p:cNvSpPr/>
+          <p:nvPr/>
+        </p:nvSpPr>
+        <p:spPr bwMode="auto">
+          <a:xfrm flipH="0" flipV="0">
+            <a:off x="6560771" y="3990848"/>
+            <a:ext cx="1633902" cy="410306"/>
+          </a:xfrm>
+          <a:prstGeom prst="rect">
+            <a:avLst/>
+          </a:prstGeom>
+        </p:spPr>
+        <p:style>
+          <a:lnRef idx="2">
+            <a:schemeClr val="accent1">
+              <a:shade val="50000"/>
+            </a:schemeClr>
+          </a:lnRef>
+          <a:fillRef idx="1">
+            <a:schemeClr val="accent1"/>
+          </a:fillRef>
+          <a:effectRef idx="0">
+            <a:schemeClr val="accent1"/>
+          </a:effectRef>
+          <a:fontRef idx="minor">
+            <a:schemeClr val="lt1"/>
+          </a:fontRef>
+        </p:style>
+        <p:txBody>
+          <a:bodyPr/>
+          <a:p>
+            <a:pPr>
+              <a:defRPr/>
+            </a:pPr>
+            <a:r>
+              <a:rPr/>
+              <a:t>Caches</a:t>
+            </a:r>
+            <a:endParaRPr/>
+          </a:p>
+        </p:txBody>
+      </p:sp>
+      <p:cxnSp>
+        <p:nvCxnSpPr>
+          <p:cNvPr id="0" name=""/>
+          <p:cNvCxnSpPr>
+            <a:cxnSpLocks/>
+            <a:stCxn id="1392261736" idx="3"/>
+            <a:endCxn id="729621495" idx="1"/>
+          </p:cNvCxnSpPr>
+          <p:nvPr/>
+        </p:nvCxnSpPr>
+        <p:spPr bwMode="auto">
+          <a:xfrm rot="0" flipH="0" flipV="1">
+            <a:off x="5586901" y="2927422"/>
+            <a:ext cx="973870" cy="0"/>
+          </a:xfrm>
+          <a:prstGeom prst="line">
+            <a:avLst/>
+          </a:prstGeom>
+        </p:spPr>
+        <p:style>
+          <a:lnRef idx="1">
+            <a:schemeClr val="accent1">
+              <a:shade val="50000"/>
+            </a:schemeClr>
+          </a:lnRef>
+          <a:fillRef idx="0">
+            <a:schemeClr val="accent1"/>
+          </a:fillRef>
+          <a:effectRef idx="0">
+            <a:schemeClr val="accent1"/>
+          </a:effectRef>
+          <a:fontRef idx="minor">
+            <a:schemeClr val="tx1"/>
+          </a:fontRef>
+        </p:style>
+      </p:cxnSp>
+      <p:cxnSp>
+        <p:nvCxnSpPr>
+          <p:cNvPr id="0" name=""/>
+          <p:cNvCxnSpPr>
+            <a:cxnSpLocks/>
+            <a:stCxn id="1392261736" idx="0"/>
+            <a:endCxn id="623801952" idx="1"/>
+          </p:cNvCxnSpPr>
+          <p:nvPr/>
+        </p:nvCxnSpPr>
+        <p:spPr bwMode="auto">
+          <a:xfrm rot="16199969" flipH="0" flipV="0">
+            <a:off x="5186691" y="1348188"/>
+            <a:ext cx="957339" cy="1790822"/>
+          </a:xfrm>
+          <a:prstGeom prst="line">
+            <a:avLst/>
+          </a:prstGeom>
+        </p:spPr>
+        <p:style>
+          <a:lnRef idx="1">
+            <a:schemeClr val="accent1">
+              <a:shade val="50000"/>
+            </a:schemeClr>
+          </a:lnRef>
+          <a:fillRef idx="0">
+            <a:schemeClr val="accent1"/>
+          </a:fillRef>
+          <a:effectRef idx="0">
+            <a:schemeClr val="accent1"/>
+          </a:effectRef>
+          <a:fontRef idx="minor">
+            <a:schemeClr val="tx1"/>
+          </a:fontRef>
+        </p:style>
+      </p:cxnSp>
+      <p:cxnSp>
+        <p:nvCxnSpPr>
+          <p:cNvPr id="0" name=""/>
+          <p:cNvCxnSpPr>
+            <a:cxnSpLocks/>
+            <a:stCxn id="1392261736" idx="2"/>
+            <a:endCxn id="1774099541" idx="1"/>
+          </p:cNvCxnSpPr>
+          <p:nvPr/>
+        </p:nvCxnSpPr>
+        <p:spPr bwMode="auto">
+          <a:xfrm rot="5399978" flipH="0" flipV="1">
+            <a:off x="5133647" y="2768878"/>
+            <a:ext cx="1063425" cy="1790822"/>
+          </a:xfrm>
+          <a:prstGeom prst="line">
+            <a:avLst/>
+          </a:prstGeom>
+        </p:spPr>
+        <p:style>
+          <a:lnRef idx="1">
+            <a:schemeClr val="accent1">
+              <a:shade val="50000"/>
+            </a:schemeClr>
+          </a:lnRef>
+          <a:fillRef idx="0">
+            <a:schemeClr val="accent1"/>
+          </a:fillRef>
+          <a:effectRef idx="0">
+            <a:schemeClr val="accent1"/>
+          </a:effectRef>
+          <a:fontRef idx="minor">
+            <a:schemeClr val="tx1"/>
+          </a:fontRef>
+        </p:style>
+      </p:cxnSp>
+      <p:cxnSp>
+        <p:nvCxnSpPr>
+          <p:cNvPr id="0" name=""/>
+          <p:cNvCxnSpPr>
+            <a:cxnSpLocks/>
+            <a:stCxn id="1400911209" idx="3"/>
+            <a:endCxn id="1392261736" idx="1"/>
+          </p:cNvCxnSpPr>
+          <p:nvPr/>
+        </p:nvCxnSpPr>
+        <p:spPr bwMode="auto">
+          <a:xfrm rot="0" flipH="0" flipV="0">
+            <a:off x="3116807" y="2927422"/>
+            <a:ext cx="836189" cy="0"/>
+          </a:xfrm>
+          <a:prstGeom prst="line">
+            <a:avLst/>
+          </a:prstGeom>
+        </p:spPr>
+        <p:style>
+          <a:lnRef idx="1">
+            <a:schemeClr val="accent1">
+              <a:shade val="50000"/>
+            </a:schemeClr>
+          </a:lnRef>
+          <a:fillRef idx="0">
+            <a:schemeClr val="accent1"/>
+          </a:fillRef>
+          <a:effectRef idx="0">
+            <a:schemeClr val="accent1"/>
+          </a:effectRef>
+          <a:fontRef idx="minor">
+            <a:schemeClr val="tx1"/>
+          </a:fontRef>
+        </p:style>
+      </p:cxnSp>
     </p:spTree>
   </p:cSld>
   <p:clrMapOvr>
@@ -21004,6 +21351,425 @@
       <p:transition advClick="1"/>
     </mc:Fallback>
   </mc:AlternateContent>
+  <p:timing>
+    <p:tnLst>
+      <p:par>
+        <p:cTn id="1" dur="indefinite" restart="never" nodeType="tmRoot">
+          <p:childTnLst>
+            <p:seq concurrent="1" nextAc="seek">
+              <p:cTn id="2" dur="indefinite" nodeType="mainSeq">
+                <p:childTnLst>
+                  <p:par>
+                    <p:cTn id="33" fill="hold">
+                      <p:stCondLst>
+                        <p:cond delay="indefinite"/>
+                      </p:stCondLst>
+                      <p:childTnLst>
+                        <p:par>
+                          <p:cTn id="34" fill="hold">
+                            <p:stCondLst>
+                              <p:cond delay="0"/>
+                            </p:stCondLst>
+                            <p:childTnLst>
+                              <p:par>
+                                <p:cTn id="35" presetID="10" presetClass="entr" presetSubtype="0" fill="hold" grpId="0" nodeType="clickEffect">
+                                  <p:stCondLst>
+                                    <p:cond delay="0"/>
+                                  </p:stCondLst>
+                                  <p:childTnLst>
+                                    <p:set>
+                                      <p:cBhvr>
+                                        <p:cTn id="37" dur="1" fill="hold">
+                                          <p:stCondLst>
+                                            <p:cond delay="0"/>
+                                          </p:stCondLst>
+                                        </p:cTn>
+                                        <p:tgtEl>
+                                          <p:spTgt spid="1400911209"/>
+                                        </p:tgtEl>
+                                        <p:attrNameLst>
+                                          <p:attrName>style.visibility</p:attrName>
+                                        </p:attrNameLst>
+                                      </p:cBhvr>
+                                      <p:to>
+                                        <p:strVal val="visible"/>
+                                      </p:to>
+                                    </p:set>
+                                    <p:animEffect transition="in" filter="fade">
+                                      <p:cBhvr>
+                                        <p:cTn id="36" dur="500"/>
+                                        <p:tgtEl>
+                                          <p:spTgt spid="1400911209"/>
+                                        </p:tgtEl>
+                                      </p:cBhvr>
+                                    </p:animEffect>
+                                  </p:childTnLst>
+                                </p:cTn>
+                              </p:par>
+                            </p:childTnLst>
+                          </p:cTn>
+                        </p:par>
+                      </p:childTnLst>
+                    </p:cTn>
+                  </p:par>
+                  <p:par>
+                    <p:cTn id="25" fill="hold">
+                      <p:stCondLst>
+                        <p:cond delay="indefinite"/>
+                      </p:stCondLst>
+                      <p:childTnLst>
+                        <p:par>
+                          <p:cTn id="26" fill="hold">
+                            <p:stCondLst>
+                              <p:cond delay="0"/>
+                            </p:stCondLst>
+                            <p:childTnLst>
+                              <p:par>
+                                <p:cTn id="30" presetID="10" presetClass="entr" presetSubtype="0" fill="hold" grpId="0" nodeType="clickEffect">
+                                  <p:stCondLst>
+                                    <p:cond delay="0"/>
+                                  </p:stCondLst>
+                                  <p:childTnLst>
+                                    <p:set>
+                                      <p:cBhvr>
+                                        <p:cTn id="32" dur="1" fill="hold">
+                                          <p:stCondLst>
+                                            <p:cond delay="0"/>
+                                          </p:stCondLst>
+                                        </p:cTn>
+                                        <p:tgtEl>
+                                          <p:spTgt spid="0"/>
+                                        </p:tgtEl>
+                                        <p:attrNameLst>
+                                          <p:attrName>style.visibility</p:attrName>
+                                        </p:attrNameLst>
+                                      </p:cBhvr>
+                                      <p:to>
+                                        <p:strVal val="visible"/>
+                                      </p:to>
+                                    </p:set>
+                                    <p:animEffect transition="in" filter="fade">
+                                      <p:cBhvr>
+                                        <p:cTn id="31" dur="500"/>
+                                        <p:tgtEl>
+                                          <p:spTgt spid="0"/>
+                                        </p:tgtEl>
+                                      </p:cBhvr>
+                                    </p:animEffect>
+                                  </p:childTnLst>
+                                </p:cTn>
+                              </p:par>
+                              <p:par>
+                                <p:cTn id="27" presetID="10" presetClass="entr" presetSubtype="0" fill="hold" grpId="0" nodeType="withEffect">
+                                  <p:stCondLst>
+                                    <p:cond delay="0"/>
+                                  </p:stCondLst>
+                                  <p:childTnLst>
+                                    <p:set>
+                                      <p:cBhvr>
+                                        <p:cTn id="29" dur="1" fill="hold">
+                                          <p:stCondLst>
+                                            <p:cond delay="0"/>
+                                          </p:stCondLst>
+                                        </p:cTn>
+                                        <p:tgtEl>
+                                          <p:spTgt spid="1392261736"/>
+                                        </p:tgtEl>
+                                        <p:attrNameLst>
+                                          <p:attrName>style.visibility</p:attrName>
+                                        </p:attrNameLst>
+                                      </p:cBhvr>
+                                      <p:to>
+                                        <p:strVal val="visible"/>
+                                      </p:to>
+                                    </p:set>
+                                    <p:animEffect transition="in" filter="fade">
+                                      <p:cBhvr>
+                                        <p:cTn id="28" dur="500"/>
+                                        <p:tgtEl>
+                                          <p:spTgt spid="1392261736"/>
+                                        </p:tgtEl>
+                                      </p:cBhvr>
+                                    </p:animEffect>
+                                  </p:childTnLst>
+                                </p:cTn>
+                              </p:par>
+                            </p:childTnLst>
+                          </p:cTn>
+                        </p:par>
+                      </p:childTnLst>
+                    </p:cTn>
+                  </p:par>
+                  <p:par>
+                    <p:cTn id="19" fill="hold">
+                      <p:stCondLst>
+                        <p:cond delay="indefinite"/>
+                      </p:stCondLst>
+                      <p:childTnLst>
+                        <p:par>
+                          <p:cTn id="20" fill="hold">
+                            <p:stCondLst>
+                              <p:cond delay="0"/>
+                            </p:stCondLst>
+                            <p:childTnLst>
+                              <p:par>
+                                <p:cTn id="23" presetID="1" presetClass="entr" presetSubtype="0" fill="hold" grpId="0" nodeType="clickEffect">
+                                  <p:stCondLst>
+                                    <p:cond delay="0"/>
+                                  </p:stCondLst>
+                                  <p:childTnLst>
+                                    <p:set>
+                                      <p:cBhvr>
+                                        <p:cTn id="24" dur="1" fill="hold">
+                                          <p:stCondLst>
+                                            <p:cond delay="0"/>
+                                          </p:stCondLst>
+                                        </p:cTn>
+                                        <p:tgtEl>
+                                          <p:spTgt spid="0"/>
+                                        </p:tgtEl>
+                                        <p:attrNameLst>
+                                          <p:attrName>style.visibility</p:attrName>
+                                        </p:attrNameLst>
+                                      </p:cBhvr>
+                                      <p:to>
+                                        <p:strVal val="visible"/>
+                                      </p:to>
+                                    </p:set>
+                                  </p:childTnLst>
+                                </p:cTn>
+                              </p:par>
+                              <p:par>
+                                <p:cTn id="21" presetID="1" presetClass="entr" presetSubtype="0" fill="hold" grpId="0" nodeType="withEffect">
+                                  <p:stCondLst>
+                                    <p:cond delay="0"/>
+                                  </p:stCondLst>
+                                  <p:childTnLst>
+                                    <p:set>
+                                      <p:cBhvr>
+                                        <p:cTn id="22" dur="1" fill="hold">
+                                          <p:stCondLst>
+                                            <p:cond delay="0"/>
+                                          </p:stCondLst>
+                                        </p:cTn>
+                                        <p:tgtEl>
+                                          <p:spTgt spid="729621495"/>
+                                        </p:tgtEl>
+                                        <p:attrNameLst>
+                                          <p:attrName>style.visibility</p:attrName>
+                                        </p:attrNameLst>
+                                      </p:cBhvr>
+                                      <p:to>
+                                        <p:strVal val="visible"/>
+                                      </p:to>
+                                    </p:set>
+                                  </p:childTnLst>
+                                </p:cTn>
+                              </p:par>
+                            </p:childTnLst>
+                          </p:cTn>
+                        </p:par>
+                      </p:childTnLst>
+                    </p:cTn>
+                  </p:par>
+                  <p:par>
+                    <p:cTn id="11" fill="hold">
+                      <p:stCondLst>
+                        <p:cond delay="indefinite"/>
+                      </p:stCondLst>
+                      <p:childTnLst>
+                        <p:par>
+                          <p:cTn id="12" fill="hold">
+                            <p:stCondLst>
+                              <p:cond delay="0"/>
+                            </p:stCondLst>
+                            <p:childTnLst>
+                              <p:par>
+                                <p:cTn id="16" presetID="10" presetClass="entr" presetSubtype="0" fill="hold" grpId="0" nodeType="clickEffect">
+                                  <p:stCondLst>
+                                    <p:cond delay="0"/>
+                                  </p:stCondLst>
+                                  <p:childTnLst>
+                                    <p:set>
+                                      <p:cBhvr>
+                                        <p:cTn id="18" dur="1" fill="hold">
+                                          <p:stCondLst>
+                                            <p:cond delay="0"/>
+                                          </p:stCondLst>
+                                        </p:cTn>
+                                        <p:tgtEl>
+                                          <p:spTgt spid="0"/>
+                                        </p:tgtEl>
+                                        <p:attrNameLst>
+                                          <p:attrName>style.visibility</p:attrName>
+                                        </p:attrNameLst>
+                                      </p:cBhvr>
+                                      <p:to>
+                                        <p:strVal val="visible"/>
+                                      </p:to>
+                                    </p:set>
+                                    <p:animEffect transition="in" filter="fade">
+                                      <p:cBhvr>
+                                        <p:cTn id="17" dur="500"/>
+                                        <p:tgtEl>
+                                          <p:spTgt spid="0"/>
+                                        </p:tgtEl>
+                                      </p:cBhvr>
+                                    </p:animEffect>
+                                  </p:childTnLst>
+                                </p:cTn>
+                              </p:par>
+                              <p:par>
+                                <p:cTn id="13" presetID="10" presetClass="entr" presetSubtype="0" fill="hold" grpId="0" nodeType="withEffect">
+                                  <p:stCondLst>
+                                    <p:cond delay="0"/>
+                                  </p:stCondLst>
+                                  <p:childTnLst>
+                                    <p:set>
+                                      <p:cBhvr>
+                                        <p:cTn id="15" dur="1" fill="hold">
+                                          <p:stCondLst>
+                                            <p:cond delay="0"/>
+                                          </p:stCondLst>
+                                        </p:cTn>
+                                        <p:tgtEl>
+                                          <p:spTgt spid="623801952"/>
+                                        </p:tgtEl>
+                                        <p:attrNameLst>
+                                          <p:attrName>style.visibility</p:attrName>
+                                        </p:attrNameLst>
+                                      </p:cBhvr>
+                                      <p:to>
+                                        <p:strVal val="visible"/>
+                                      </p:to>
+                                    </p:set>
+                                    <p:animEffect transition="in" filter="fade">
+                                      <p:cBhvr>
+                                        <p:cTn id="14" dur="500"/>
+                                        <p:tgtEl>
+                                          <p:spTgt spid="623801952"/>
+                                        </p:tgtEl>
+                                      </p:cBhvr>
+                                    </p:animEffect>
+                                  </p:childTnLst>
+                                </p:cTn>
+                              </p:par>
+                            </p:childTnLst>
+                          </p:cTn>
+                        </p:par>
+                      </p:childTnLst>
+                    </p:cTn>
+                  </p:par>
+                  <p:par>
+                    <p:cTn id="3" fill="hold">
+                      <p:stCondLst>
+                        <p:cond delay="indefinite"/>
+                      </p:stCondLst>
+                      <p:childTnLst>
+                        <p:par>
+                          <p:cTn id="4" fill="hold">
+                            <p:stCondLst>
+                              <p:cond delay="0"/>
+                            </p:stCondLst>
+                            <p:childTnLst>
+                              <p:par>
+                                <p:cTn id="8" presetID="10" presetClass="entr" presetSubtype="0" fill="hold" grpId="0" nodeType="clickEffect">
+                                  <p:stCondLst>
+                                    <p:cond delay="0"/>
+                                  </p:stCondLst>
+                                  <p:childTnLst>
+                                    <p:set>
+                                      <p:cBhvr>
+                                        <p:cTn id="10" dur="1" fill="hold">
+                                          <p:stCondLst>
+                                            <p:cond delay="0"/>
+                                          </p:stCondLst>
+                                        </p:cTn>
+                                        <p:tgtEl>
+                                          <p:spTgt spid="0"/>
+                                        </p:tgtEl>
+                                        <p:attrNameLst>
+                                          <p:attrName>style.visibility</p:attrName>
+                                        </p:attrNameLst>
+                                      </p:cBhvr>
+                                      <p:to>
+                                        <p:strVal val="visible"/>
+                                      </p:to>
+                                    </p:set>
+                                    <p:animEffect transition="in" filter="fade">
+                                      <p:cBhvr>
+                                        <p:cTn id="9" dur="500"/>
+                                        <p:tgtEl>
+                                          <p:spTgt spid="0"/>
+                                        </p:tgtEl>
+                                      </p:cBhvr>
+                                    </p:animEffect>
+                                  </p:childTnLst>
+                                </p:cTn>
+                              </p:par>
+                              <p:par>
+                                <p:cTn id="5" presetID="10" presetClass="entr" presetSubtype="0" fill="hold" grpId="0" nodeType="withEffect">
+                                  <p:stCondLst>
+                                    <p:cond delay="0"/>
+                                  </p:stCondLst>
+                                  <p:childTnLst>
+                                    <p:set>
+                                      <p:cBhvr>
+                                        <p:cTn id="7" dur="1" fill="hold">
+                                          <p:stCondLst>
+                                            <p:cond delay="0"/>
+                                          </p:stCondLst>
+                                        </p:cTn>
+                                        <p:tgtEl>
+                                          <p:spTgt spid="1774099541"/>
+                                        </p:tgtEl>
+                                        <p:attrNameLst>
+                                          <p:attrName>style.visibility</p:attrName>
+                                        </p:attrNameLst>
+                                      </p:cBhvr>
+                                      <p:to>
+                                        <p:strVal val="visible"/>
+                                      </p:to>
+                                    </p:set>
+                                    <p:animEffect transition="in" filter="fade">
+                                      <p:cBhvr>
+                                        <p:cTn id="6" dur="500"/>
+                                        <p:tgtEl>
+                                          <p:spTgt spid="1774099541"/>
+                                        </p:tgtEl>
+                                      </p:cBhvr>
+                                    </p:animEffect>
+                                  </p:childTnLst>
+                                </p:cTn>
+                              </p:par>
+                            </p:childTnLst>
+                          </p:cTn>
+                        </p:par>
+                      </p:childTnLst>
+                    </p:cTn>
+                  </p:par>
+                </p:childTnLst>
+              </p:cTn>
+              <p:prevCondLst>
+                <p:cond evt="onPrev" delay="0">
+                  <p:tgtEl>
+                    <p:sldTgt/>
+                  </p:tgtEl>
+                </p:cond>
+              </p:prevCondLst>
+              <p:nextCondLst>
+                <p:cond evt="onNext" delay="0">
+                  <p:tgtEl>
+                    <p:sldTgt/>
+                  </p:tgtEl>
+                </p:cond>
+              </p:nextCondLst>
+            </p:seq>
+          </p:childTnLst>
+        </p:cTn>
+      </p:par>
+    </p:tnLst>
+  </p:timing>
 </p:sld>
 </file>
 

--- a/Dokumentation/Präsentation.pptx
+++ b/Dokumentation/Präsentation.pptx
@@ -719,6 +719,112 @@
             </a:pPr>
             <a:endParaRPr/>
           </a:p>
+          <a:p>
+            <a:pPr>
+              <a:defRPr/>
+            </a:pPr>
+            <a:r>
+              <a:rPr/>
+              <a:t>Wach:  Person ist bei Bewusstsein, nimmt Umgebung wahr und man kann (in der Regel) mit interagieren</a:t>
+            </a:r>
+            <a:endParaRPr/>
+          </a:p>
+          <a:p>
+            <a:pPr>
+              <a:defRPr/>
+            </a:pPr>
+            <a:endParaRPr/>
+          </a:p>
+          <a:p>
+            <a:pPr>
+              <a:defRPr/>
+            </a:pPr>
+            <a:r>
+              <a:rPr/>
+              <a:t>Leicht-Schlaf: Kann leicht gestört werden, Person ist aber schon am schlafen, häufigste Phase in der Nacht</a:t>
+            </a:r>
+            <a:endParaRPr/>
+          </a:p>
+          <a:p>
+            <a:pPr>
+              <a:defRPr/>
+            </a:pPr>
+            <a:endParaRPr/>
+          </a:p>
+          <a:p>
+            <a:pPr>
+              <a:defRPr/>
+            </a:pPr>
+            <a:r>
+              <a:rPr/>
+              <a:t>Tief-Schlaf: Person kann nur schwer geweckt werden, Erinnerungen werden verarbeitet, Keine Träume, etwa 1 Stunde Pro Nacht</a:t>
+            </a:r>
+            <a:endParaRPr/>
+          </a:p>
+          <a:p>
+            <a:pPr>
+              <a:defRPr/>
+            </a:pPr>
+            <a:endParaRPr/>
+          </a:p>
+          <a:p>
+            <a:pPr>
+              <a:defRPr/>
+            </a:pPr>
+            <a:r>
+              <a:rPr/>
+              <a:t>REM-Schlaf: Rapid Eye Movement, Tiefschlaf teilweise auch REM-Schlaf, Traumphase, auch etwa 1 Stunde</a:t>
+            </a:r>
+            <a:endParaRPr/>
+          </a:p>
+          <a:p>
+            <a:pPr>
+              <a:defRPr/>
+            </a:pPr>
+            <a:endParaRPr/>
+          </a:p>
+          <a:p>
+            <a:pPr>
+              <a:defRPr/>
+            </a:pPr>
+            <a:r>
+              <a:rPr/>
+              <a:t>Es wird immer Abgewechselt zwischen den Phasen. Die Übergänge und die Zeiten sind das, was am ende erklärt, wie gut der Schlaf war</a:t>
+            </a:r>
+            <a:endParaRPr/>
+          </a:p>
+          <a:p>
+            <a:pPr>
+              <a:defRPr/>
+            </a:pPr>
+            <a:endParaRPr/>
+          </a:p>
+          <a:p>
+            <a:pPr>
+              <a:defRPr/>
+            </a:pPr>
+            <a:r>
+              <a:rPr/>
+              <a:t>Hohe Bewegungen bei den Übergängen, Bestimmte Gehirnwellen innerhalb der Phasen, bestimmte Herzfrequenzen innerhalb bestimmter Phasen</a:t>
+            </a:r>
+            <a:endParaRPr/>
+          </a:p>
+          <a:p>
+            <a:pPr>
+              <a:defRPr/>
+            </a:pPr>
+            <a:endParaRPr/>
+          </a:p>
+          <a:p>
+            <a:pPr>
+              <a:defRPr/>
+            </a:pPr>
+            <a:r>
+              <a:rPr/>
+              <a:t>Geräte beide sehr teuer</a:t>
+            </a:r>
+            <a:endParaRPr/>
+          </a:p>
         </p:txBody>
       </p:sp>
       <p:sp>
@@ -799,6 +905,122 @@
             <a:pPr>
               <a:defRPr/>
             </a:pPr>
+            <a:r>
+              <a:rPr/>
+              <a:t>Sandboxing mit „Android Runtime“</a:t>
+            </a:r>
+            <a:endParaRPr/>
+          </a:p>
+          <a:p>
+            <a:pPr>
+              <a:defRPr/>
+            </a:pPr>
+            <a:endParaRPr/>
+          </a:p>
+          <a:p>
+            <a:pPr>
+              <a:defRPr/>
+            </a:pPr>
+            <a:r>
+              <a:rPr/>
+              <a:t>Quelloffenes Betriebssystem aber die meisten distributionen auf Smartphone sind es nicht.</a:t>
+            </a:r>
+            <a:endParaRPr/>
+          </a:p>
+          <a:p>
+            <a:pPr>
+              <a:defRPr/>
+            </a:pPr>
+            <a:r>
+              <a:rPr/>
+              <a:t>LineageOS oder grapheneOS  wären Alternativen, müssen aber vom Anwender installiert werden</a:t>
+            </a:r>
+            <a:endParaRPr/>
+          </a:p>
+          <a:p>
+            <a:pPr>
+              <a:defRPr/>
+            </a:pPr>
+            <a:endParaRPr/>
+          </a:p>
+          <a:p>
+            <a:pPr>
+              <a:defRPr/>
+            </a:pPr>
+            <a:r>
+              <a:rPr/>
+              <a:t>MVVM:</a:t>
+            </a:r>
+            <a:endParaRPr/>
+          </a:p>
+          <a:p>
+            <a:pPr>
+              <a:defRPr/>
+            </a:pPr>
+            <a:r>
+              <a:rPr/>
+              <a:t>hat aber folgende Unterschiede zu MVC:</a:t>
+            </a:r>
+            <a:endParaRPr/>
+          </a:p>
+          <a:p>
+            <a:pPr marL="217793" indent="-217793">
+              <a:buFont typeface="Arial"/>
+              <a:buChar char="–"/>
+              <a:defRPr/>
+            </a:pPr>
+            <a:r>
+              <a:rPr/>
+              <a:t>Der Datenfluss in MVVM ist durch automatische Synchronisation geregelt (z.B. Flows)</a:t>
+            </a:r>
+            <a:endParaRPr/>
+          </a:p>
+          <a:p>
+            <a:pPr marL="217793" indent="-217793">
+              <a:buFont typeface="Arial"/>
+              <a:buChar char="–"/>
+              <a:defRPr/>
+            </a:pPr>
+            <a:r>
+              <a:rPr/>
+              <a:t>Zustände und Aktionen werden in Bidirektionalen Flüssen gehandhabt, im MVC muss der Controller aktiv aktualisieren und agieren</a:t>
+            </a:r>
+            <a:endParaRPr/>
+          </a:p>
+          <a:p>
+            <a:pPr marL="217793" indent="-217793">
+              <a:buFont typeface="Arial"/>
+              <a:buChar char="–"/>
+              <a:defRPr/>
+            </a:pPr>
+            <a:r>
+              <a:rPr/>
+              <a:t>Viewmodel verwaltet Logik und Daten, Controller verwaltet Logik und Interaktionen. Daten werden vom Model gehandhabt.</a:t>
+            </a:r>
+            <a:endParaRPr/>
+          </a:p>
+          <a:p>
+            <a:pPr marL="217793" indent="-217793">
+              <a:buFont typeface="Arial"/>
+              <a:buChar char="–"/>
+              <a:defRPr/>
+            </a:pPr>
+            <a:r>
+              <a:rPr/>
+              <a:t>Logik in MVVM wird in UseCases ausgelagert, MVB behält Anwendungsfälle im Controller</a:t>
+            </a:r>
+            <a:endParaRPr/>
+          </a:p>
+          <a:p>
+            <a:pPr marL="217793" indent="-217793">
+              <a:buFont typeface="Arial"/>
+              <a:buChar char="–"/>
+              <a:defRPr/>
+            </a:pPr>
+            <a:r>
+              <a:rPr/>
+              <a:t>Besser wäre hier wohl das MVCVM Pattern (Model View Controller Viewmodel) da hier eine Separierung der Logik vom Viewmodel gegeben ist, so wie es in meinem Code auch ist</a:t>
+            </a:r>
             <a:endParaRPr/>
           </a:p>
         </p:txBody>
@@ -881,6 +1103,80 @@
             <a:pPr>
               <a:defRPr/>
             </a:pPr>
+            <a:r>
+              <a:rPr/>
+              <a:t>Wir wollen KI-Modelle frei wählen können. Es wurde zur vereinfachung auf TFLite-Dateien beschränkt</a:t>
+            </a:r>
+            <a:endParaRPr/>
+          </a:p>
+          <a:p>
+            <a:pPr>
+              <a:defRPr/>
+            </a:pPr>
+            <a:endParaRPr/>
+          </a:p>
+          <a:p>
+            <a:pPr>
+              <a:defRPr/>
+            </a:pPr>
+            <a:r>
+              <a:rPr/>
+              <a:t>Lokale verarbeitung und speicherung für den Datenschutz</a:t>
+            </a:r>
+            <a:endParaRPr/>
+          </a:p>
+          <a:p>
+            <a:pPr>
+              <a:defRPr/>
+            </a:pPr>
+            <a:endParaRPr/>
+          </a:p>
+          <a:p>
+            <a:pPr>
+              <a:defRPr/>
+            </a:pPr>
+            <a:r>
+              <a:rPr/>
+              <a:t>Übersichtliche, einfache Bedienung, weil....irgendwie logisch</a:t>
+            </a:r>
+            <a:endParaRPr/>
+          </a:p>
+          <a:p>
+            <a:pPr>
+              <a:defRPr/>
+            </a:pPr>
+            <a:endParaRPr/>
+          </a:p>
+          <a:p>
+            <a:pPr>
+              <a:defRPr/>
+            </a:pPr>
+            <a:r>
+              <a:rPr/>
+              <a:t>Zugriff externer Anwendungen, damit es als Unterstützung für andere Entwickler dienen kann.</a:t>
+            </a:r>
+            <a:endParaRPr/>
+          </a:p>
+          <a:p>
+            <a:pPr>
+              <a:defRPr/>
+            </a:pPr>
+            <a:endParaRPr/>
+          </a:p>
+          <a:p>
+            <a:pPr>
+              <a:defRPr/>
+            </a:pPr>
+            <a:r>
+              <a:rPr/>
+              <a:t>=&gt; Vielleicht Richtung System-App?</a:t>
+            </a:r>
+            <a:endParaRPr/>
+          </a:p>
+          <a:p>
+            <a:pPr>
+              <a:defRPr/>
+            </a:pPr>
             <a:endParaRPr/>
           </a:p>
         </p:txBody>
@@ -963,6 +1259,80 @@
             <a:pPr>
               <a:defRPr/>
             </a:pPr>
+            <a:r>
+              <a:rPr/>
+              <a:t>Aufteilung in die 3 Schichten Daten, domänen und UI.</a:t>
+            </a:r>
+            <a:endParaRPr/>
+          </a:p>
+          <a:p>
+            <a:pPr>
+              <a:defRPr/>
+            </a:pPr>
+            <a:r>
+              <a:rPr/>
+              <a:t>Service ist ein Teil der Domänenschicht, interagiert aber nicht direkt mit der UI</a:t>
+            </a:r>
+            <a:endParaRPr/>
+          </a:p>
+          <a:p>
+            <a:pPr>
+              <a:defRPr/>
+            </a:pPr>
+            <a:endParaRPr/>
+          </a:p>
+          <a:p>
+            <a:pPr>
+              <a:defRPr/>
+            </a:pPr>
+            <a:r>
+              <a:rPr/>
+              <a:t>Man sieht auch die 3 Säulen für Data Manager, AIModel Manager und Intent Manager </a:t>
+            </a:r>
+            <a:endParaRPr/>
+          </a:p>
+          <a:p>
+            <a:pPr>
+              <a:defRPr/>
+            </a:pPr>
+            <a:endParaRPr/>
+          </a:p>
+          <a:p>
+            <a:pPr>
+              <a:defRPr/>
+            </a:pPr>
+            <a:r>
+              <a:rPr/>
+              <a:t>Diese 3 Säulen werden öfter wieder vorkommen</a:t>
+            </a:r>
+            <a:r>
+              <a:rPr/>
+              <a:t> und stellen die Hauptfunktionen dar</a:t>
+            </a:r>
+            <a:endParaRPr/>
+          </a:p>
+          <a:p>
+            <a:pPr>
+              <a:defRPr/>
+            </a:pPr>
+            <a:endParaRPr/>
+          </a:p>
+          <a:p>
+            <a:pPr>
+              <a:defRPr/>
+            </a:pPr>
+            <a:endParaRPr/>
+          </a:p>
+          <a:p>
+            <a:pPr>
+              <a:defRPr/>
+            </a:pPr>
+            <a:endParaRPr/>
+          </a:p>
+          <a:p>
+            <a:pPr>
+              <a:defRPr/>
+            </a:pPr>
             <a:endParaRPr/>
           </a:p>
         </p:txBody>
@@ -1045,6 +1415,184 @@
             <a:pPr>
               <a:defRPr/>
             </a:pPr>
+            <a:r>
+              <a:rPr/>
+              <a:t>Android-API:</a:t>
+            </a:r>
+            <a:endParaRPr/>
+          </a:p>
+          <a:p>
+            <a:pPr>
+              <a:defRPr/>
+            </a:pPr>
+            <a:r>
+              <a:rPr/>
+              <a:t>Activity, BroadcastReceiver, Basisklasse Viewmodel</a:t>
+            </a:r>
+            <a:endParaRPr/>
+          </a:p>
+          <a:p>
+            <a:pPr>
+              <a:defRPr/>
+            </a:pPr>
+            <a:endParaRPr/>
+          </a:p>
+          <a:p>
+            <a:pPr>
+              <a:defRPr/>
+            </a:pPr>
+            <a:r>
+              <a:rPr/>
+              <a:t>Android-Room:</a:t>
+            </a:r>
+            <a:endParaRPr/>
+          </a:p>
+          <a:p>
+            <a:pPr>
+              <a:defRPr/>
+            </a:pPr>
+            <a:r>
+              <a:rPr/>
+              <a:t>Entity, DAOs</a:t>
+            </a:r>
+            <a:endParaRPr/>
+          </a:p>
+          <a:p>
+            <a:pPr>
+              <a:defRPr/>
+            </a:pPr>
+            <a:endParaRPr/>
+          </a:p>
+          <a:p>
+            <a:pPr>
+              <a:defRPr/>
+            </a:pPr>
+            <a:r>
+              <a:rPr/>
+              <a:t>Jetpack-Compose:</a:t>
+            </a:r>
+            <a:endParaRPr/>
+          </a:p>
+          <a:p>
+            <a:pPr>
+              <a:defRPr/>
+            </a:pPr>
+            <a:r>
+              <a:rPr/>
+              <a:t>Composables</a:t>
+            </a:r>
+            <a:endParaRPr/>
+          </a:p>
+          <a:p>
+            <a:pPr>
+              <a:defRPr/>
+            </a:pPr>
+            <a:endParaRPr/>
+          </a:p>
+          <a:p>
+            <a:pPr>
+              <a:defRPr/>
+            </a:pPr>
+            <a:r>
+              <a:rPr/>
+              <a:t>Hilt:</a:t>
+            </a:r>
+            <a:endParaRPr/>
+          </a:p>
+          <a:p>
+            <a:pPr>
+              <a:defRPr/>
+            </a:pPr>
+            <a:r>
+              <a:rPr/>
+              <a:t>HiltViewmodel Annotation, Dependency Injection (Wird später genauer drauf eingegangen)</a:t>
+            </a:r>
+            <a:endParaRPr/>
+          </a:p>
+          <a:p>
+            <a:pPr>
+              <a:defRPr/>
+            </a:pPr>
+            <a:endParaRPr/>
+          </a:p>
+          <a:p>
+            <a:pPr>
+              <a:defRPr/>
+            </a:pPr>
+            <a:endParaRPr/>
+          </a:p>
+          <a:p>
+            <a:pPr>
+              <a:defRPr/>
+            </a:pPr>
+            <a:r>
+              <a:rPr/>
+              <a:t>Tensorflow-Lite bzw. liteRT:</a:t>
+            </a:r>
+            <a:endParaRPr/>
+          </a:p>
+          <a:p>
+            <a:pPr>
+              <a:defRPr/>
+            </a:pPr>
+            <a:r>
+              <a:rPr/>
+              <a:t>KI-Modelle im TFLite-Format dynamisch laden und verwenden</a:t>
+            </a:r>
+            <a:endParaRPr/>
+          </a:p>
+          <a:p>
+            <a:pPr>
+              <a:defRPr/>
+            </a:pPr>
+            <a:r>
+              <a:rPr/>
+              <a:t>Auslesen von Metainformationen aus der TFLite Datei</a:t>
+            </a:r>
+            <a:endParaRPr/>
+          </a:p>
+          <a:p>
+            <a:pPr>
+              <a:defRPr/>
+            </a:pPr>
+            <a:r>
+              <a:rPr/>
+              <a:t>Tensorflow-Lite wurde in liteRT umbenannt (Ältere Version wegen Inkompatibilitäten und Problemen (Abstürze) verwendet)</a:t>
+            </a:r>
+            <a:endParaRPr/>
+          </a:p>
+          <a:p>
+            <a:pPr>
+              <a:defRPr/>
+            </a:pPr>
+            <a:r>
+              <a:rPr/>
+              <a:t>Upgrade sollte einfach möglich sein, da API gleich geblieben „sein soll“</a:t>
+            </a:r>
+            <a:endParaRPr/>
+          </a:p>
+          <a:p>
+            <a:pPr>
+              <a:defRPr/>
+            </a:pPr>
+            <a:endParaRPr/>
+          </a:p>
+          <a:p>
+            <a:pPr>
+              <a:defRPr/>
+            </a:pPr>
+            <a:endParaRPr/>
+          </a:p>
+          <a:p>
+            <a:pPr>
+              <a:defRPr/>
+            </a:pPr>
+            <a:endParaRPr/>
+          </a:p>
+          <a:p>
+            <a:pPr>
+              <a:defRPr/>
+            </a:pPr>
             <a:endParaRPr/>
           </a:p>
         </p:txBody>
@@ -1127,6 +1675,20 @@
             <a:pPr>
               <a:defRPr/>
             </a:pPr>
+            <a:r>
+              <a:rPr/>
+              <a:t>Genaue Implementierung und Nutzung des Model-View-Viemodel Architekturmodells folgt nun</a:t>
+            </a:r>
+            <a:endParaRPr/>
+          </a:p>
+          <a:p>
+            <a:pPr>
+              <a:defRPr/>
+            </a:pPr>
+            <a:r>
+              <a:rPr/>
+              <a:t>Es wird auf die einzelnen Aspekte eingegangen</a:t>
+            </a:r>
             <a:endParaRPr/>
           </a:p>
         </p:txBody>
@@ -1209,6 +1771,46 @@
             <a:pPr>
               <a:defRPr/>
             </a:pPr>
+            <a:r>
+              <a:rPr/>
+              <a:t>Model ist in Datenschicht und Domänenlogikschicht zu finden</a:t>
+            </a:r>
+            <a:endParaRPr/>
+          </a:p>
+          <a:p>
+            <a:pPr>
+              <a:defRPr/>
+            </a:pPr>
+            <a:r>
+              <a:rPr/>
+              <a:t>Es gibt die Entitäten der Datenbank, welche eine Tabelle beschreiben</a:t>
+            </a:r>
+            <a:endParaRPr/>
+          </a:p>
+          <a:p>
+            <a:pPr>
+              <a:defRPr/>
+            </a:pPr>
+            <a:r>
+              <a:rPr/>
+              <a:t>In der Domänenlogikschicht sind die einfacher handhabbaren datenmodelle der Datenbankeinträge.</a:t>
+            </a:r>
+            <a:endParaRPr/>
+          </a:p>
+          <a:p>
+            <a:pPr>
+              <a:defRPr/>
+            </a:pPr>
+            <a:r>
+              <a:rPr/>
+              <a:t>Umwandlung über eine im Repository definierte Funktion</a:t>
+            </a:r>
+            <a:endParaRPr/>
+          </a:p>
+          <a:p>
+            <a:pPr>
+              <a:defRPr/>
+            </a:pPr>
             <a:endParaRPr/>
           </a:p>
         </p:txBody>
@@ -1291,6 +1893,50 @@
             <a:pPr>
               <a:defRPr/>
             </a:pPr>
+            <a:r>
+              <a:rPr/>
+              <a:t>Die View stellt die Benutzeroberfläche dar</a:t>
+            </a:r>
+            <a:endParaRPr/>
+          </a:p>
+          <a:p>
+            <a:pPr>
+              <a:defRPr/>
+            </a:pPr>
+            <a:r>
+              <a:rPr/>
+              <a:t>Jetpack Compose</a:t>
+            </a:r>
+            <a:endParaRPr/>
+          </a:p>
+          <a:p>
+            <a:pPr>
+              <a:defRPr/>
+            </a:pPr>
+            <a:r>
+              <a:rPr/>
+              <a:t>Composables werden genutzt um das Layout aufzubauen.</a:t>
+            </a:r>
+            <a:endParaRPr/>
+          </a:p>
+          <a:p>
+            <a:pPr>
+              <a:defRPr/>
+            </a:pPr>
+            <a:r>
+              <a:rPr/>
+              <a:t>Schachtelung der Komponenten ineinander um Wiederverwendbarkeit zu erhöhen</a:t>
+            </a:r>
+            <a:endParaRPr/>
+          </a:p>
+          <a:p>
+            <a:pPr>
+              <a:defRPr/>
+            </a:pPr>
+            <a:r>
+              <a:rPr/>
+              <a:t>Hauptklasse ist die MainActivity welche von der Android-API kommt</a:t>
+            </a:r>
             <a:endParaRPr/>
           </a:p>
         </p:txBody>
@@ -1373,6 +2019,46 @@
             <a:pPr>
               <a:defRPr/>
             </a:pPr>
+            <a:r>
+              <a:rPr/>
+              <a:t>Viewmodel als Schnittstelle zwischen View und Model bzw. den UseCases</a:t>
+            </a:r>
+            <a:endParaRPr/>
+          </a:p>
+          <a:p>
+            <a:pPr>
+              <a:defRPr/>
+            </a:pPr>
+            <a:r>
+              <a:rPr/>
+              <a:t>Die View enthält die Zustände und ist unabhängig vom Lebenszyklus der View</a:t>
+            </a:r>
+            <a:endParaRPr/>
+          </a:p>
+          <a:p>
+            <a:pPr>
+              <a:defRPr/>
+            </a:pPr>
+            <a:r>
+              <a:rPr/>
+              <a:t>Drehen erzeugt neuladen, man würde also alle Daten verlieren</a:t>
+            </a:r>
+            <a:endParaRPr/>
+          </a:p>
+          <a:p>
+            <a:pPr>
+              <a:defRPr/>
+            </a:pPr>
+            <a:endParaRPr/>
+          </a:p>
+          <a:p>
+            <a:pPr>
+              <a:defRPr/>
+            </a:pPr>
+            <a:r>
+              <a:rPr/>
+              <a:t>Hier ist auch schon das @Inject zusehen welches später im Dependency Injection genauer erklärt wird</a:t>
+            </a:r>
             <a:endParaRPr/>
           </a:p>
         </p:txBody>
@@ -1455,6 +2141,132 @@
             <a:pPr>
               <a:defRPr/>
             </a:pPr>
+            <a:r>
+              <a:rPr/>
+              <a:t>Data Manager:</a:t>
+            </a:r>
+            <a:endParaRPr/>
+          </a:p>
+          <a:p>
+            <a:pPr>
+              <a:defRPr/>
+            </a:pPr>
+            <a:r>
+              <a:rPr/>
+              <a:t>Struktur der Entities für Datensätze, Datenreihen und Datenpunkte</a:t>
+            </a:r>
+            <a:endParaRPr/>
+          </a:p>
+          <a:p>
+            <a:pPr>
+              <a:defRPr/>
+            </a:pPr>
+            <a:r>
+              <a:rPr/>
+              <a:t>Ein Datenpunkt MUSS immer genau einer Datenreihe zugewiesen sein</a:t>
+            </a:r>
+            <a:endParaRPr/>
+          </a:p>
+          <a:p>
+            <a:pPr>
+              <a:defRPr/>
+            </a:pPr>
+            <a:r>
+              <a:rPr/>
+              <a:t>Eine Datenreihe kann einem oder mehreren Datensätzen zugewiesen sein</a:t>
+            </a:r>
+            <a:endParaRPr/>
+          </a:p>
+          <a:p>
+            <a:pPr>
+              <a:defRPr/>
+            </a:pPr>
+            <a:r>
+              <a:rPr/>
+              <a:t>Ein Datensatz enthält die Informationen für die Inference, wie</a:t>
+            </a:r>
+            <a:endParaRPr/>
+          </a:p>
+          <a:p>
+            <a:pPr>
+              <a:defRPr/>
+            </a:pPr>
+            <a:r>
+              <a:rPr/>
+              <a:t>Prognosedatenreihe oder auch einen Fremdschlüssel zu einem ModelData</a:t>
+            </a:r>
+            <a:endParaRPr/>
+          </a:p>
+          <a:p>
+            <a:pPr>
+              <a:defRPr/>
+            </a:pPr>
+            <a:endParaRPr/>
+          </a:p>
+          <a:p>
+            <a:pPr>
+              <a:defRPr/>
+            </a:pPr>
+            <a:r>
+              <a:rPr/>
+              <a:t>Model Manager:</a:t>
+            </a:r>
+            <a:endParaRPr/>
+          </a:p>
+          <a:p>
+            <a:pPr>
+              <a:defRPr/>
+            </a:pPr>
+            <a:r>
+              <a:rPr/>
+              <a:t>Aufbau der TensorDaten und ModelDaten Einträge</a:t>
+            </a:r>
+            <a:endParaRPr/>
+          </a:p>
+          <a:p>
+            <a:pPr>
+              <a:defRPr/>
+            </a:pPr>
+            <a:r>
+              <a:rPr/>
+              <a:t>Enthalten Informationen aus den Metadaten der TFLite-Datei  (z.B. Name, beschreibung, anzahl Inputs, outputs, n_steps, timePeriod( da sin und cos für Zeit genommen wird ))</a:t>
+            </a:r>
+            <a:endParaRPr/>
+          </a:p>
+          <a:p>
+            <a:pPr>
+              <a:defRPr/>
+            </a:pPr>
+            <a:r>
+              <a:rPr/>
+              <a:t>Sowie den Pfad zur App-eigenen Kopie der TFLite-Datei</a:t>
+            </a:r>
+            <a:endParaRPr/>
+          </a:p>
+          <a:p>
+            <a:pPr>
+              <a:defRPr/>
+            </a:pPr>
+            <a:endParaRPr/>
+          </a:p>
+          <a:p>
+            <a:pPr>
+              <a:defRPr/>
+            </a:pPr>
+            <a:r>
+              <a:rPr/>
+              <a:t>Intent Manager:</a:t>
+            </a:r>
+            <a:endParaRPr/>
+          </a:p>
+          <a:p>
+            <a:pPr>
+              <a:defRPr/>
+            </a:pPr>
+            <a:r>
+              <a:rPr/>
+              <a:t>Einfaches Modell, nur eine Tabelle mit Informationen zu den Berechtigungen und dem Package Namen</a:t>
+            </a:r>
             <a:endParaRPr/>
           </a:p>
         </p:txBody>
@@ -1745,6 +2557,32 @@
             <a:pPr>
               <a:defRPr/>
             </a:pPr>
+            <a:r>
+              <a:rPr/>
+              <a:t>Wechselbare Repositories durch Interfaces</a:t>
+            </a:r>
+            <a:endParaRPr/>
+          </a:p>
+          <a:p>
+            <a:pPr>
+              <a:defRPr/>
+            </a:pPr>
+            <a:endParaRPr/>
+          </a:p>
+          <a:p>
+            <a:pPr>
+              <a:defRPr/>
+            </a:pPr>
+            <a:r>
+              <a:rPr/>
+              <a:t>Eine gemeinsame Schnittstelle</a:t>
+            </a:r>
+            <a:endParaRPr/>
+          </a:p>
+          <a:p>
+            <a:pPr>
+              <a:defRPr/>
+            </a:pPr>
             <a:endParaRPr/>
           </a:p>
         </p:txBody>
@@ -1827,6 +2665,90 @@
             <a:pPr>
               <a:defRPr/>
             </a:pPr>
+            <a:r>
+              <a:rPr/>
+              <a:t>AIManager</a:t>
+            </a:r>
+            <a:endParaRPr/>
+          </a:p>
+          <a:p>
+            <a:pPr>
+              <a:defRPr/>
+            </a:pPr>
+            <a:r>
+              <a:rPr/>
+              <a:t>Verwaltet die Modelle, also hinzufügen, entfernen und sowas</a:t>
+            </a:r>
+            <a:endParaRPr/>
+          </a:p>
+          <a:p>
+            <a:pPr>
+              <a:defRPr/>
+            </a:pPr>
+            <a:endParaRPr/>
+          </a:p>
+          <a:p>
+            <a:pPr>
+              <a:defRPr/>
+            </a:pPr>
+            <a:endParaRPr/>
+          </a:p>
+          <a:p>
+            <a:pPr>
+              <a:defRPr/>
+            </a:pPr>
+            <a:r>
+              <a:rPr/>
+              <a:t>DataManager</a:t>
+            </a:r>
+            <a:endParaRPr/>
+          </a:p>
+          <a:p>
+            <a:pPr>
+              <a:defRPr/>
+            </a:pPr>
+            <a:endParaRPr/>
+          </a:p>
+          <a:p>
+            <a:pPr>
+              <a:defRPr/>
+            </a:pPr>
+            <a:r>
+              <a:rPr/>
+              <a:t>Verwalten von Daten und Inference</a:t>
+            </a:r>
+            <a:endParaRPr/>
+          </a:p>
+          <a:p>
+            <a:pPr>
+              <a:defRPr/>
+            </a:pPr>
+            <a:endParaRPr/>
+          </a:p>
+          <a:p>
+            <a:pPr>
+              <a:defRPr/>
+            </a:pPr>
+            <a:r>
+              <a:rPr/>
+              <a:t>IntentMananger</a:t>
+            </a:r>
+            <a:endParaRPr/>
+          </a:p>
+          <a:p>
+            <a:pPr>
+              <a:defRPr/>
+            </a:pPr>
+            <a:endParaRPr/>
+          </a:p>
+          <a:p>
+            <a:pPr>
+              <a:defRPr/>
+            </a:pPr>
+            <a:r>
+              <a:rPr/>
+              <a:t>Verwalten von Zugriffsrechten für Externe Apps</a:t>
+            </a:r>
             <a:endParaRPr/>
           </a:p>
         </p:txBody>
@@ -1909,6 +2831,22 @@
             <a:pPr>
               <a:defRPr/>
             </a:pPr>
+            <a:r>
+              <a:rPr/>
+              <a:t>Hier einmal die Grafische Oberfläche der einzelnen Manager</a:t>
+            </a:r>
+            <a:endParaRPr/>
+          </a:p>
+          <a:p>
+            <a:pPr>
+              <a:defRPr/>
+            </a:pPr>
+            <a:endParaRPr/>
+          </a:p>
+          <a:p>
+            <a:pPr>
+              <a:defRPr/>
+            </a:pPr>
             <a:endParaRPr/>
           </a:p>
         </p:txBody>
@@ -1991,6 +2929,50 @@
             <a:pPr>
               <a:defRPr/>
             </a:pPr>
+            <a:r>
+              <a:rPr/>
+              <a:t>Wie gesehen bei den Repositories müssen abhängigkeiten verteilt werden.</a:t>
+            </a:r>
+            <a:endParaRPr/>
+          </a:p>
+          <a:p>
+            <a:pPr>
+              <a:defRPr/>
+            </a:pPr>
+            <a:r>
+              <a:rPr/>
+              <a:t>Würde manuell viel Boilerplate Code erzeugen, welcher die Abhängigkeiten verteilt</a:t>
+            </a:r>
+            <a:endParaRPr/>
+          </a:p>
+          <a:p>
+            <a:pPr>
+              <a:defRPr/>
+            </a:pPr>
+            <a:r>
+              <a:rPr/>
+              <a:t>Durch nutzung von Hilt werden Abhängigkeiten automatisch hinzugefügt und verwaltet</a:t>
+            </a:r>
+            <a:endParaRPr/>
+          </a:p>
+          <a:p>
+            <a:pPr>
+              <a:defRPr/>
+            </a:pPr>
+            <a:r>
+              <a:rPr/>
+              <a:t>@Module gibt die @Provider für die einzelnen Injektionen an. Hier wird auch die eigentliche Implementierung gewählt.</a:t>
+            </a:r>
+            <a:endParaRPr/>
+          </a:p>
+          <a:p>
+            <a:pPr>
+              <a:defRPr/>
+            </a:pPr>
+            <a:r>
+              <a:rPr/>
+              <a:t>Im Inject muss nur das Interface angegeben werden</a:t>
+            </a:r>
             <a:endParaRPr/>
           </a:p>
         </p:txBody>
@@ -2073,6 +3055,66 @@
             <a:pPr>
               <a:defRPr/>
             </a:pPr>
+            <a:r>
+              <a:rPr/>
+              <a:t>Foreground:</a:t>
+            </a:r>
+            <a:endParaRPr/>
+          </a:p>
+          <a:p>
+            <a:pPr>
+              <a:defRPr/>
+            </a:pPr>
+            <a:endParaRPr/>
+          </a:p>
+          <a:p>
+            <a:pPr>
+              <a:defRPr/>
+            </a:pPr>
+            <a:endParaRPr/>
+          </a:p>
+          <a:p>
+            <a:pPr>
+              <a:defRPr/>
+            </a:pPr>
+            <a:r>
+              <a:rPr/>
+              <a:t>Background:</a:t>
+            </a:r>
+            <a:endParaRPr/>
+          </a:p>
+          <a:p>
+            <a:pPr>
+              <a:defRPr/>
+            </a:pPr>
+            <a:endParaRPr/>
+          </a:p>
+          <a:p>
+            <a:pPr>
+              <a:defRPr/>
+            </a:pPr>
+            <a:endParaRPr/>
+          </a:p>
+          <a:p>
+            <a:pPr>
+              <a:defRPr/>
+            </a:pPr>
+            <a:r>
+              <a:rPr/>
+              <a:t>Bind:</a:t>
+            </a:r>
+            <a:endParaRPr/>
+          </a:p>
+          <a:p>
+            <a:pPr>
+              <a:defRPr/>
+            </a:pPr>
+            <a:endParaRPr/>
+          </a:p>
+          <a:p>
+            <a:pPr>
+              <a:defRPr/>
+            </a:pPr>
             <a:endParaRPr/>
           </a:p>
         </p:txBody>
@@ -2562,9 +3604,95 @@
           <a:bodyPr/>
           <a:lstStyle/>
           <a:p>
-            <a:pPr>
-              <a:defRPr/>
-            </a:pPr>
+            <a:pPr marL="217793" indent="-217793">
+              <a:buFont typeface="Arial"/>
+              <a:buChar char="–"/>
+              <a:defRPr/>
+            </a:pPr>
+            <a:r>
+              <a:rPr/>
+              <a:t>Smartwatch bekommen</a:t>
+            </a:r>
+            <a:endParaRPr/>
+          </a:p>
+          <a:p>
+            <a:pPr marL="217793" indent="-217793">
+              <a:buFont typeface="Arial"/>
+              <a:buChar char="–"/>
+              <a:defRPr/>
+            </a:pPr>
+            <a:endParaRPr/>
+          </a:p>
+          <a:p>
+            <a:pPr marL="217793" indent="-217793">
+              <a:buFont typeface="Arial"/>
+              <a:buChar char="–"/>
+              <a:defRPr/>
+            </a:pPr>
+            <a:r>
+              <a:rPr/>
+              <a:t>Getragen und schlafdaten erzeugt</a:t>
+            </a:r>
+            <a:endParaRPr/>
+          </a:p>
+          <a:p>
+            <a:pPr marL="217793" indent="-217793">
+              <a:buFont typeface="Arial"/>
+              <a:buChar char="–"/>
+              <a:defRPr/>
+            </a:pPr>
+            <a:endParaRPr/>
+          </a:p>
+          <a:p>
+            <a:pPr marL="217793" indent="-217793">
+              <a:buFont typeface="Arial"/>
+              <a:buChar char="–"/>
+              <a:defRPr/>
+            </a:pPr>
+            <a:r>
+              <a:rPr/>
+              <a:t>Im Internet diese Seite gefunden</a:t>
+            </a:r>
+            <a:endParaRPr/>
+          </a:p>
+          <a:p>
+            <a:pPr marL="217793" indent="-217793">
+              <a:buFont typeface="Arial"/>
+              <a:buChar char="–"/>
+              <a:defRPr/>
+            </a:pPr>
+            <a:endParaRPr/>
+          </a:p>
+          <a:p>
+            <a:pPr marL="217793" indent="-217793">
+              <a:buFont typeface="Arial"/>
+              <a:buChar char="–"/>
+              <a:defRPr/>
+            </a:pPr>
+            <a:r>
+              <a:rPr/>
+              <a:t>Sich gefragt: „Wieso sind da eigentlich alle meine Daten?“</a:t>
+            </a:r>
+            <a:endParaRPr/>
+          </a:p>
+          <a:p>
+            <a:pPr marL="217793" indent="-217793">
+              <a:buFont typeface="Arial"/>
+              <a:buChar char="–"/>
+              <a:defRPr/>
+            </a:pPr>
+            <a:endParaRPr/>
+          </a:p>
+          <a:p>
+            <a:pPr marL="217793" indent="-217793">
+              <a:buFont typeface="Arial"/>
+              <a:buChar char="–"/>
+              <a:defRPr/>
+            </a:pPr>
+            <a:r>
+              <a:rPr/>
+              <a:t>Hatte auch Vorteile für späteres vorgehen</a:t>
+            </a:r>
             <a:endParaRPr/>
           </a:p>
         </p:txBody>
@@ -3224,9 +4352,39 @@
           <a:bodyPr/>
           <a:lstStyle/>
           <a:p>
-            <a:pPr>
-              <a:defRPr/>
-            </a:pPr>
+            <a:pPr marL="217793" indent="-217793">
+              <a:buFont typeface="Arial"/>
+              <a:buChar char="–"/>
+              <a:defRPr/>
+            </a:pPr>
+            <a:r>
+              <a:rPr/>
+              <a:t>BangleJS open source alternative</a:t>
+            </a:r>
+            <a:endParaRPr/>
+          </a:p>
+          <a:p>
+            <a:pPr marL="217793" indent="-217793">
+              <a:buFont typeface="Arial"/>
+              <a:buChar char="–"/>
+              <a:defRPr/>
+            </a:pPr>
+            <a:r>
+              <a:rPr/>
+              <a:t>Deutlich günstiger -&gt; schlechtere Sensorik -&gt; bisher kein gutes Schlaftracking</a:t>
+            </a:r>
+            <a:endParaRPr/>
+          </a:p>
+          <a:p>
+            <a:pPr marL="217793" indent="-217793">
+              <a:buFont typeface="Arial"/>
+              <a:buChar char="–"/>
+              <a:defRPr/>
+            </a:pPr>
+            <a:r>
+              <a:rPr/>
+              <a:t>Open Source Companion App -&gt; Idee der Erweiterung</a:t>
+            </a:r>
             <a:endParaRPr/>
           </a:p>
         </p:txBody>
@@ -3306,9 +4464,87 @@
           <a:bodyPr/>
           <a:lstStyle/>
           <a:p>
-            <a:pPr>
-              <a:defRPr/>
-            </a:pPr>
+            <a:pPr marL="217793" indent="-217793">
+              <a:buFont typeface="Arial"/>
+              <a:buChar char="–"/>
+              <a:defRPr/>
+            </a:pPr>
+            <a:r>
+              <a:rPr/>
+              <a:t>Entscheidung eine eigene App zu schreiben</a:t>
+            </a:r>
+            <a:endParaRPr/>
+          </a:p>
+          <a:p>
+            <a:pPr marL="217793" indent="-217793">
+              <a:buFont typeface="Arial"/>
+              <a:buChar char="–"/>
+              <a:defRPr/>
+            </a:pPr>
+            <a:r>
+              <a:rPr/>
+              <a:t>AiXDroid ( A i X Droid)</a:t>
+            </a:r>
+            <a:endParaRPr/>
+          </a:p>
+          <a:p>
+            <a:pPr marL="217793" indent="-217793">
+              <a:buFont typeface="Arial"/>
+              <a:buChar char="–"/>
+              <a:defRPr/>
+            </a:pPr>
+            <a:r>
+              <a:rPr/>
+              <a:t>Mehr Flexibilität</a:t>
+            </a:r>
+            <a:endParaRPr/>
+          </a:p>
+          <a:p>
+            <a:pPr marL="217793" indent="-217793">
+              <a:buFont typeface="Arial"/>
+              <a:buChar char="–"/>
+              <a:defRPr/>
+            </a:pPr>
+            <a:r>
+              <a:rPr/>
+              <a:t>Eigenständigkeit in der Strukturierung</a:t>
+            </a:r>
+            <a:endParaRPr/>
+          </a:p>
+          <a:p>
+            <a:pPr marL="217793" indent="-217793">
+              <a:buFont typeface="Arial"/>
+              <a:buChar char="–"/>
+              <a:defRPr/>
+            </a:pPr>
+            <a:r>
+              <a:rPr/>
+              <a:t>Mehr nutzen neben Schlaftracking (Schlaftracking als Beispiel aber nicht als einziger Anwendungsfall)</a:t>
+            </a:r>
+            <a:endParaRPr/>
+          </a:p>
+          <a:p>
+            <a:pPr marL="217793" indent="-217793">
+              <a:buFont typeface="Arial"/>
+              <a:buChar char="–"/>
+              <a:defRPr/>
+            </a:pPr>
+            <a:r>
+              <a:rPr/>
+              <a:t>Entwickler können an App mithelfen, da Open Source</a:t>
+            </a:r>
+            <a:endParaRPr/>
+          </a:p>
+          <a:p>
+            <a:pPr marL="217793" indent="-217793">
+              <a:buFont typeface="Arial"/>
+              <a:buChar char="–"/>
+              <a:defRPr/>
+            </a:pPr>
+            <a:r>
+              <a:rPr/>
+              <a:t>Integration von AiXDroid in anderen Apps</a:t>
+            </a:r>
             <a:endParaRPr/>
           </a:p>
         </p:txBody>
@@ -3388,9 +4624,51 @@
           <a:bodyPr/>
           <a:lstStyle/>
           <a:p>
-            <a:pPr>
-              <a:defRPr/>
-            </a:pPr>
+            <a:pPr marL="217793" indent="-217793">
+              <a:buFont typeface="Arial"/>
+              <a:buChar char="–"/>
+              <a:defRPr/>
+            </a:pPr>
+            <a:r>
+              <a:rPr/>
+              <a:t>Bei großen Datenmengen mit einer vielzahl an Dimensionen praktisch</a:t>
+            </a:r>
+            <a:endParaRPr/>
+          </a:p>
+          <a:p>
+            <a:pPr marL="217793" indent="-217793">
+              <a:buFont typeface="Arial"/>
+              <a:buChar char="–"/>
+              <a:defRPr/>
+            </a:pPr>
+            <a:r>
+              <a:rPr/>
+              <a:t>Regeln, die auf viele Dimensionen zurückgreifen und nicht-lineare Effekte haben</a:t>
+            </a:r>
+            <a:endParaRPr/>
+          </a:p>
+          <a:p>
+            <a:pPr marL="217793" indent="-217793">
+              <a:buFont typeface="Arial"/>
+              <a:buChar char="–"/>
+              <a:defRPr/>
+            </a:pPr>
+            <a:r>
+              <a:rPr/>
+              <a:t>Das „erlernen“ ist mehr ein Annähern an die Zielfunktion</a:t>
+            </a:r>
+            <a:endParaRPr/>
+          </a:p>
+          <a:p>
+            <a:pPr marL="217793" indent="-217793">
+              <a:buFont typeface="Arial"/>
+              <a:buChar char="–"/>
+              <a:defRPr/>
+            </a:pPr>
+            <a:r>
+              <a:rPr/>
+              <a:t>Nie vollständige Abdeckung der Regeln sondern immer nur eine Näherung</a:t>
+            </a:r>
             <a:endParaRPr/>
           </a:p>
         </p:txBody>
@@ -3473,6 +4751,269 @@
             <a:pPr>
               <a:defRPr/>
             </a:pPr>
+            <a:r>
+              <a:rPr>
+                <a:latin typeface="Arial"/>
+                <a:ea typeface="Arial"/>
+                <a:cs typeface="Arial"/>
+              </a:rPr>
+              <a:t>Überwachtes Lernen:</a:t>
+            </a:r>
+            <a:endParaRPr>
+              <a:latin typeface="Arial"/>
+              <a:cs typeface="Arial"/>
+            </a:endParaRPr>
+          </a:p>
+          <a:p>
+            <a:pPr marL="217793" indent="-217793">
+              <a:buFont typeface="Arial"/>
+              <a:buChar char="–"/>
+              <a:defRPr/>
+            </a:pPr>
+            <a:r>
+              <a:rPr>
+                <a:latin typeface="Arial"/>
+                <a:ea typeface="Arial"/>
+                <a:cs typeface="Arial"/>
+              </a:rPr>
+              <a:t>Verwendet gelabelte Daten als Trainingsgrundlage</a:t>
+            </a:r>
+            <a:endParaRPr>
+              <a:latin typeface="Arial"/>
+              <a:cs typeface="Arial"/>
+            </a:endParaRPr>
+          </a:p>
+          <a:p>
+            <a:pPr marL="217793" indent="-217793">
+              <a:buFont typeface="Arial"/>
+              <a:buChar char="–"/>
+              <a:defRPr/>
+            </a:pPr>
+            <a:r>
+              <a:rPr>
+                <a:latin typeface="Arial"/>
+                <a:ea typeface="Arial"/>
+                <a:cs typeface="Arial"/>
+              </a:rPr>
+              <a:t>Labels: </a:t>
+            </a:r>
+            <a:r>
+              <a:rPr sz="1200" b="0" i="0" u="none">
+                <a:solidFill>
+                  <a:srgbClr val="000000"/>
+                </a:solidFill>
+                <a:latin typeface="Arial"/>
+                <a:ea typeface="Arial"/>
+                <a:cs typeface="Arial"/>
+              </a:rPr>
+              <a:t>gewünschten Ausgabewert bei den entsprechenden Eingabewerten</a:t>
+            </a:r>
+            <a:endParaRPr>
+              <a:latin typeface="Arial"/>
+              <a:cs typeface="Arial"/>
+            </a:endParaRPr>
+          </a:p>
+          <a:p>
+            <a:pPr marL="217793" indent="-217793">
+              <a:buFont typeface="Arial"/>
+              <a:buChar char="–"/>
+              <a:defRPr/>
+            </a:pPr>
+            <a:r>
+              <a:rPr>
+                <a:latin typeface="Arial"/>
+                <a:ea typeface="Arial"/>
+                <a:cs typeface="Arial"/>
+              </a:rPr>
+              <a:t>Gold-Label: Label, welches ein Experte gesetzt hat und als „richtig“ gilt</a:t>
+            </a:r>
+            <a:endParaRPr>
+              <a:latin typeface="Arial"/>
+              <a:cs typeface="Arial"/>
+            </a:endParaRPr>
+          </a:p>
+          <a:p>
+            <a:pPr marL="217793" indent="-217793">
+              <a:buFont typeface="Arial"/>
+              <a:buChar char="–"/>
+              <a:defRPr/>
+            </a:pPr>
+            <a:r>
+              <a:rPr sz="1200" b="0" i="0" u="none">
+                <a:solidFill>
+                  <a:srgbClr val="000000"/>
+                </a:solidFill>
+                <a:latin typeface="Arial"/>
+                <a:ea typeface="Arial"/>
+                <a:cs typeface="Arial"/>
+              </a:rPr>
+              <a:t>Modell lernt Muster zu in Trainingsdaten um danach unbekannte Daten zu klassifizieren oder zu quantifizieren.</a:t>
+            </a:r>
+            <a:endParaRPr>
+              <a:latin typeface="Arial"/>
+              <a:cs typeface="Arial"/>
+            </a:endParaRPr>
+          </a:p>
+          <a:p>
+            <a:pPr marL="217793" indent="-217793">
+              <a:buFont typeface="Arial"/>
+              <a:buChar char="–"/>
+              <a:defRPr/>
+            </a:pPr>
+            <a:r>
+              <a:rPr/>
+              <a:t>Beispiel: Schlafphasenanalyse durch Sensorwerte (Herzfrequenz, Bewegungsintensität, ...)</a:t>
+            </a:r>
+            <a:endParaRPr/>
+          </a:p>
+          <a:p>
+            <a:pPr>
+              <a:defRPr/>
+            </a:pPr>
+            <a:endParaRPr/>
+          </a:p>
+          <a:p>
+            <a:pPr>
+              <a:defRPr/>
+            </a:pPr>
+            <a:r>
+              <a:rPr/>
+              <a:t>Unüberwachtes Lernen:</a:t>
+            </a:r>
+            <a:endParaRPr/>
+          </a:p>
+          <a:p>
+            <a:pPr marL="217793" indent="-217793">
+              <a:buFont typeface="Arial"/>
+              <a:buChar char="–"/>
+              <a:defRPr/>
+            </a:pPr>
+            <a:r>
+              <a:rPr/>
+              <a:t>Keine gelabelten Daten</a:t>
+            </a:r>
+            <a:endParaRPr/>
+          </a:p>
+          <a:p>
+            <a:pPr marL="217793" indent="-217793">
+              <a:buFont typeface="Arial"/>
+              <a:buChar char="–"/>
+              <a:defRPr/>
+            </a:pPr>
+            <a:r>
+              <a:rPr/>
+              <a:t>Finden von unbekannten Mustern in den Daten</a:t>
+            </a:r>
+            <a:endParaRPr/>
+          </a:p>
+          <a:p>
+            <a:pPr marL="217793" indent="-217793">
+              <a:buFont typeface="Arial"/>
+              <a:buChar char="–"/>
+              <a:defRPr/>
+            </a:pPr>
+            <a:r>
+              <a:rPr/>
+              <a:t>Durch Clusterbildung oder </a:t>
+            </a:r>
+            <a:r>
+              <a:rPr/>
+              <a:t>Dimensionsreduktion</a:t>
+            </a:r>
+            <a:endParaRPr/>
+          </a:p>
+          <a:p>
+            <a:pPr marL="217793" indent="-217793">
+              <a:buFont typeface="Arial"/>
+              <a:buChar char="–"/>
+              <a:defRPr/>
+            </a:pPr>
+            <a:r>
+              <a:rPr/>
+              <a:t>Beispiel: Anomaliedetektion</a:t>
+            </a:r>
+            <a:endParaRPr/>
+          </a:p>
+          <a:p>
+            <a:pPr>
+              <a:defRPr/>
+            </a:pPr>
+            <a:endParaRPr/>
+          </a:p>
+          <a:p>
+            <a:pPr>
+              <a:defRPr/>
+            </a:pPr>
+            <a:r>
+              <a:rPr/>
+              <a:t>Verstärkendes Lernen:</a:t>
+            </a:r>
+            <a:endParaRPr/>
+          </a:p>
+          <a:p>
+            <a:pPr marL="217793" indent="-217793">
+              <a:buFont typeface="Arial"/>
+              <a:buChar char="–"/>
+              <a:defRPr/>
+            </a:pPr>
+            <a:r>
+              <a:rPr/>
+              <a:t>Kontinuierliches Ausprobieren und Anpassen</a:t>
+            </a:r>
+            <a:endParaRPr/>
+          </a:p>
+          <a:p>
+            <a:pPr marL="217793" indent="-217793">
+              <a:buFont typeface="Arial"/>
+              <a:buChar char="–"/>
+              <a:defRPr/>
+            </a:pPr>
+            <a:r>
+              <a:rPr/>
+              <a:t>Feedback zur Qualität durch Belohnungsfunktionen</a:t>
+            </a:r>
+            <a:endParaRPr/>
+          </a:p>
+          <a:p>
+            <a:pPr marL="217793" indent="-217793">
+              <a:buFont typeface="Arial"/>
+              <a:buChar char="–"/>
+              <a:defRPr/>
+            </a:pPr>
+            <a:r>
+              <a:rPr/>
+              <a:t>Finden einer idealen Strategie</a:t>
+            </a:r>
+            <a:endParaRPr/>
+          </a:p>
+          <a:p>
+            <a:pPr marL="217793" indent="-217793">
+              <a:buFont typeface="Arial"/>
+              <a:buChar char="–"/>
+              <a:defRPr/>
+            </a:pPr>
+            <a:r>
+              <a:rPr/>
+              <a:t>Beispiel: Roboter laufen lassen oder Spielabläufe (Schach)</a:t>
+            </a:r>
+            <a:endParaRPr/>
+          </a:p>
+          <a:p>
+            <a:pPr>
+              <a:defRPr/>
+            </a:pPr>
+            <a:endParaRPr/>
+          </a:p>
+          <a:p>
+            <a:pPr>
+              <a:defRPr/>
+            </a:pPr>
+            <a:endParaRPr/>
+          </a:p>
+          <a:p>
+            <a:pPr>
+              <a:defRPr/>
+            </a:pPr>
             <a:endParaRPr/>
           </a:p>
         </p:txBody>
@@ -3555,6 +5096,302 @@
             <a:pPr>
               <a:defRPr/>
             </a:pPr>
+            <a:r>
+              <a:rPr/>
+              <a:t>Klassifikation: Definierte Klassen als Ergebnis</a:t>
+            </a:r>
+            <a:endParaRPr/>
+          </a:p>
+          <a:p>
+            <a:pPr>
+              <a:defRPr/>
+            </a:pPr>
+            <a:r>
+              <a:rPr/>
+              <a:t>Regression: Kontinuierliche Ergebnisse</a:t>
+            </a:r>
+            <a:endParaRPr/>
+          </a:p>
+          <a:p>
+            <a:pPr>
+              <a:defRPr/>
+            </a:pPr>
+            <a:endParaRPr/>
+          </a:p>
+          <a:p>
+            <a:pPr>
+              <a:defRPr/>
+            </a:pPr>
+            <a:r>
+              <a:rPr/>
+              <a:t>Genauigkeit (Accuracy):</a:t>
+            </a:r>
+            <a:endParaRPr/>
+          </a:p>
+          <a:p>
+            <a:pPr>
+              <a:defRPr/>
+            </a:pPr>
+            <a:r>
+              <a:rPr/>
+              <a:t>Alle Richtigen Antworten / Gesamtzahl aller Antworten</a:t>
+            </a:r>
+            <a:endParaRPr/>
+          </a:p>
+          <a:p>
+            <a:pPr>
+              <a:defRPr/>
+            </a:pPr>
+            <a:r>
+              <a:rPr/>
+              <a:t>Bei Ausgewogenen Datensätzen (Alle Klassen kommen gleich häufig vor)</a:t>
+            </a:r>
+            <a:endParaRPr/>
+          </a:p>
+          <a:p>
+            <a:pPr>
+              <a:defRPr/>
+            </a:pPr>
+            <a:endParaRPr/>
+          </a:p>
+          <a:p>
+            <a:pPr>
+              <a:defRPr/>
+            </a:pPr>
+            <a:r>
+              <a:rPr/>
+              <a:t>Präzision (Precision):</a:t>
+            </a:r>
+            <a:endParaRPr/>
+          </a:p>
+          <a:p>
+            <a:pPr>
+              <a:defRPr/>
+            </a:pPr>
+            <a:r>
+              <a:rPr/>
+              <a:t>Richtig Positiv / Richtig positiv + falsch positiv</a:t>
+            </a:r>
+            <a:endParaRPr/>
+          </a:p>
+          <a:p>
+            <a:pPr>
+              <a:defRPr/>
+            </a:pPr>
+            <a:r>
+              <a:rPr/>
+              <a:t>Falsch-positive Ergebnisse kritisch z.B. Bei Spam-Filtern (falsch positiv = legitime Email als Spam gewertet)</a:t>
+            </a:r>
+            <a:endParaRPr/>
+          </a:p>
+          <a:p>
+            <a:pPr>
+              <a:defRPr/>
+            </a:pPr>
+            <a:endParaRPr/>
+          </a:p>
+          <a:p>
+            <a:pPr>
+              <a:defRPr/>
+            </a:pPr>
+            <a:r>
+              <a:rPr/>
+              <a:t>Sensitivität (Recall):</a:t>
+            </a:r>
+            <a:endParaRPr/>
+          </a:p>
+          <a:p>
+            <a:pPr>
+              <a:defRPr/>
+            </a:pPr>
+            <a:r>
+              <a:rPr/>
+              <a:t>Richtig Positiv/ </a:t>
+            </a:r>
+            <a:r>
+              <a:rPr/>
+              <a:t>Richtig Positiv + Falsch Negativ</a:t>
+            </a:r>
+            <a:endParaRPr/>
+          </a:p>
+          <a:p>
+            <a:pPr>
+              <a:defRPr/>
+            </a:pPr>
+            <a:r>
+              <a:rPr/>
+              <a:t>Falsch-negative Ergebnisse kritisch z.B. Bei Krankheitsdiagnosen (falsch negativ = Kranker Patient wurde als gesund gewertet)</a:t>
+            </a:r>
+            <a:endParaRPr/>
+          </a:p>
+          <a:p>
+            <a:pPr>
+              <a:defRPr/>
+            </a:pPr>
+            <a:endParaRPr/>
+          </a:p>
+          <a:p>
+            <a:pPr>
+              <a:defRPr/>
+            </a:pPr>
+            <a:r>
+              <a:rPr/>
+              <a:t>F-Beta-Score:</a:t>
+            </a:r>
+            <a:endParaRPr/>
+          </a:p>
+          <a:p>
+            <a:pPr>
+              <a:defRPr/>
+            </a:pPr>
+            <a:r>
+              <a:rPr/>
+              <a:t>Zusammenführung von Precision und Recall, wobei Beta = 1 das harmonische Mittel der beiden Metriken darstellt.</a:t>
+            </a:r>
+            <a:endParaRPr/>
+          </a:p>
+          <a:p>
+            <a:pPr>
+              <a:defRPr/>
+            </a:pPr>
+            <a:r>
+              <a:rPr/>
+              <a:t>Kleineres beta bevorzugt Precision</a:t>
+            </a:r>
+            <a:endParaRPr/>
+          </a:p>
+          <a:p>
+            <a:pPr>
+              <a:defRPr/>
+            </a:pPr>
+            <a:r>
+              <a:rPr/>
+              <a:t>Größeres Beta bevorzugt Recall</a:t>
+            </a:r>
+            <a:endParaRPr/>
+          </a:p>
+          <a:p>
+            <a:pPr>
+              <a:defRPr/>
+            </a:pPr>
+            <a:endParaRPr/>
+          </a:p>
+          <a:p>
+            <a:pPr>
+              <a:defRPr/>
+            </a:pPr>
+            <a:r>
+              <a:rPr/>
+              <a:t>!!!ACHTE AUF DIE ZEIT!!!</a:t>
+            </a:r>
+            <a:endParaRPr/>
+          </a:p>
+          <a:p>
+            <a:pPr>
+              <a:defRPr/>
+            </a:pPr>
+            <a:endParaRPr/>
+          </a:p>
+          <a:p>
+            <a:pPr>
+              <a:defRPr/>
+            </a:pPr>
+            <a:r>
+              <a:rPr/>
+              <a:t>MSE:</a:t>
+            </a:r>
+            <a:endParaRPr/>
+          </a:p>
+          <a:p>
+            <a:pPr>
+              <a:defRPr/>
+            </a:pPr>
+            <a:r>
+              <a:rPr/>
+              <a:t>Durch das quadrieren wird bei großen Fehlern stärker bestraft</a:t>
+            </a:r>
+            <a:endParaRPr/>
+          </a:p>
+          <a:p>
+            <a:pPr>
+              <a:defRPr/>
+            </a:pPr>
+            <a:r>
+              <a:rPr/>
+              <a:t>Ausreißer könnten überangepasst werden</a:t>
+            </a:r>
+            <a:endParaRPr/>
+          </a:p>
+          <a:p>
+            <a:pPr>
+              <a:defRPr/>
+            </a:pPr>
+            <a:r>
+              <a:rPr/>
+              <a:t>Beispiel: Glatte Verläufe, </a:t>
+            </a:r>
+            <a:r>
+              <a:rPr/>
+              <a:t>Robotik (große Fehler könnten Roboter beschädigen)</a:t>
+            </a:r>
+            <a:endParaRPr/>
+          </a:p>
+          <a:p>
+            <a:pPr>
+              <a:defRPr/>
+            </a:pPr>
+            <a:endParaRPr/>
+          </a:p>
+          <a:p>
+            <a:pPr>
+              <a:defRPr/>
+            </a:pPr>
+            <a:endParaRPr/>
+          </a:p>
+          <a:p>
+            <a:pPr>
+              <a:defRPr/>
+            </a:pPr>
+            <a:r>
+              <a:rPr/>
+              <a:t>MAE:</a:t>
+            </a:r>
+            <a:endParaRPr/>
+          </a:p>
+          <a:p>
+            <a:pPr>
+              <a:defRPr/>
+            </a:pPr>
+            <a:r>
+              <a:rPr/>
+              <a:t>Der absolute Fehler setzt alle Fehler in ein gleiches Gewicht</a:t>
+            </a:r>
+            <a:endParaRPr/>
+          </a:p>
+          <a:p>
+            <a:pPr>
+              <a:defRPr/>
+            </a:pPr>
+            <a:r>
+              <a:rPr/>
+              <a:t>Beispiel: Aktienkurse</a:t>
+            </a:r>
+            <a:endParaRPr/>
+          </a:p>
+          <a:p>
+            <a:pPr>
+              <a:defRPr/>
+            </a:pPr>
+            <a:endParaRPr/>
+          </a:p>
+          <a:p>
+            <a:pPr>
+              <a:defRPr/>
+            </a:pPr>
+            <a:r>
+              <a:rPr/>
+              <a:t>Es gibt noch weitere, aber die sind jetzt mal nicht aufgeführt (aus Zeitgründen)</a:t>
+            </a:r>
             <a:endParaRPr/>
           </a:p>
         </p:txBody>
@@ -3635,6 +5472,121 @@
           <a:lstStyle/>
           <a:p>
             <a:pPr>
+              <a:defRPr/>
+            </a:pPr>
+            <a:r>
+              <a:rPr/>
+              <a:t>Perzeptron -&gt; Multi-Layer-Perzeptron -&gt; Deep Learning</a:t>
+            </a:r>
+            <a:endParaRPr/>
+          </a:p>
+          <a:p>
+            <a:pPr>
+              <a:defRPr/>
+            </a:pPr>
+            <a:endParaRPr/>
+          </a:p>
+          <a:p>
+            <a:pPr>
+              <a:defRPr/>
+            </a:pPr>
+            <a:r>
+              <a:rPr/>
+              <a:t>Trainieren von Modellen durch aufsplitten des Datensatzes in Trainings, Test und Evaluationsdaten</a:t>
+            </a:r>
+            <a:endParaRPr/>
+          </a:p>
+          <a:p>
+            <a:pPr>
+              <a:defRPr/>
+            </a:pPr>
+            <a:endParaRPr/>
+          </a:p>
+          <a:p>
+            <a:pPr>
+              <a:defRPr/>
+            </a:pPr>
+            <a:r>
+              <a:rPr/>
+              <a:t>Niemals Evaluationsdaten und Trainingsdaten mischen!!</a:t>
+            </a:r>
+            <a:endParaRPr/>
+          </a:p>
+          <a:p>
+            <a:pPr>
+              <a:defRPr/>
+            </a:pPr>
+            <a:endParaRPr/>
+          </a:p>
+          <a:p>
+            <a:pPr marL="217793" indent="-217793">
+              <a:buAutoNum type="arabicPeriod"/>
+              <a:defRPr/>
+            </a:pPr>
+            <a:r>
+              <a:rPr/>
+              <a:t>Modell initialisieren mit zufälligen Gewichten</a:t>
+            </a:r>
+            <a:endParaRPr/>
+          </a:p>
+          <a:p>
+            <a:pPr marL="217793" indent="-217793">
+              <a:buAutoNum type="arabicPeriod"/>
+              <a:defRPr/>
+            </a:pPr>
+            <a:r>
+              <a:rPr/>
+              <a:t>Feature eingeben</a:t>
+            </a:r>
+            <a:endParaRPr/>
+          </a:p>
+          <a:p>
+            <a:pPr marL="217793" indent="-217793">
+              <a:buAutoNum type="arabicPeriod"/>
+              <a:defRPr/>
+            </a:pPr>
+            <a:r>
+              <a:rPr/>
+              <a:t>Labels mit gold-labels vergleichen</a:t>
+            </a:r>
+            <a:endParaRPr/>
+          </a:p>
+          <a:p>
+            <a:pPr marL="217793" indent="-217793">
+              <a:buAutoNum type="arabicPeriod"/>
+              <a:defRPr/>
+            </a:pPr>
+            <a:r>
+              <a:rPr/>
+              <a:t>Fehler rückwärts in das Modell zurück geben</a:t>
+            </a:r>
+            <a:endParaRPr/>
+          </a:p>
+          <a:p>
+            <a:pPr marL="217793" indent="-217793">
+              <a:buAutoNum type="arabicPeriod"/>
+              <a:defRPr/>
+            </a:pPr>
+            <a:r>
+              <a:rPr/>
+              <a:t>Anpassung der Gewichte, so, dass der Fehler minimiert würde</a:t>
+            </a:r>
+            <a:endParaRPr/>
+          </a:p>
+          <a:p>
+            <a:pPr marL="217793" indent="-217793">
+              <a:buAutoNum type="arabicPeriod"/>
+              <a:defRPr/>
+            </a:pPr>
+            <a:r>
+              <a:rPr/>
+              <a:t>Wieder bei 2 anfangen bis Fehler minimal ist</a:t>
+            </a:r>
+            <a:endParaRPr/>
+          </a:p>
+          <a:p>
+            <a:pPr marL="217793" indent="-217793">
+              <a:buAutoNum type="arabicPeriod"/>
               <a:defRPr/>
             </a:pPr>
             <a:endParaRPr/>
@@ -7127,7 +9079,7 @@
         <p:spPr bwMode="auto">
           <a:xfrm flipH="0" flipV="0">
             <a:off x="287336" y="1321971"/>
-            <a:ext cx="3930383" cy="475612"/>
+            <a:ext cx="3930382" cy="475612"/>
           </a:xfrm>
         </p:spPr>
         <p:txBody>
@@ -7502,7 +9454,7 @@
         </p:nvSpPr>
         <p:spPr bwMode="auto">
           <a:xfrm flipH="0" flipV="0">
-            <a:off x="3540984" y="3049445"/>
+            <a:off x="3540983" y="3049445"/>
             <a:ext cx="2327266" cy="259439"/>
           </a:xfrm>
           <a:prstGeom prst="rect">
@@ -8181,7 +10133,7 @@
         <p:spPr bwMode="auto">
           <a:xfrm flipH="0" flipV="0">
             <a:off x="287336" y="216000"/>
-            <a:ext cx="8064498" cy="861133"/>
+            <a:ext cx="8064498" cy="861132"/>
           </a:xfrm>
         </p:spPr>
         <p:txBody>
@@ -8198,7 +10150,7 @@
             </a:pPr>
             <a:r>
               <a:rPr lang="de-DE"/>
-              <a:t>2) </a:t>
+              <a:t>3) </a:t>
             </a:r>
             <a:r>
               <a:rPr/>
@@ -8654,7 +10606,7 @@
         <p:spPr bwMode="auto">
           <a:xfrm flipH="0" flipV="0">
             <a:off x="287336" y="1321971"/>
-            <a:ext cx="3930383" cy="475612"/>
+            <a:ext cx="3930382" cy="475612"/>
           </a:xfrm>
         </p:spPr>
         <p:txBody>
@@ -9394,7 +11346,7 @@
             </a:pPr>
             <a:r>
               <a:rPr lang="de-DE"/>
-              <a:t>2) </a:t>
+              <a:t>3) </a:t>
             </a:r>
             <a:r>
               <a:rPr/>
@@ -10644,7 +12596,7 @@
             </a:pPr>
             <a:r>
               <a:rPr lang="de-DE"/>
-              <a:t>2) </a:t>
+              <a:t>3) </a:t>
             </a:r>
             <a:r>
               <a:rPr/>
@@ -11261,7 +13213,7 @@
             </a:pPr>
             <a:r>
               <a:rPr lang="de-DE"/>
-              <a:t>3) </a:t>
+              <a:t>4) </a:t>
             </a:r>
             <a:r>
               <a:rPr/>
@@ -11712,8 +13664,8 @@
         </p:nvSpPr>
         <p:spPr bwMode="auto">
           <a:xfrm flipH="0" flipV="0">
-            <a:off x="287336" y="1321970"/>
-            <a:ext cx="4628076" cy="475612"/>
+            <a:off x="287335" y="1321968"/>
+            <a:ext cx="3752100" cy="475611"/>
           </a:xfrm>
         </p:spPr>
         <p:txBody>
@@ -11876,10 +13828,18 @@
               <a:defRPr/>
             </a:pPr>
             <a:r>
-              <a:rPr/>
-              <a:t>d</a:t>
-            </a:r>
-            <a:endParaRPr/>
+              <a:rPr sz="2200">
+                <a:solidFill>
+                  <a:schemeClr val="accent1"/>
+                </a:solidFill>
+              </a:rPr>
+              <a:t>Verwendete Frameworks:</a:t>
+            </a:r>
+            <a:endParaRPr sz="2200">
+              <a:solidFill>
+                <a:schemeClr val="accent1"/>
+              </a:solidFill>
+            </a:endParaRPr>
           </a:p>
         </p:txBody>
       </p:sp>
@@ -12060,7 +14020,7 @@
           <p:nvPr/>
         </p:nvSpPr>
         <p:spPr bwMode="auto">
-          <a:xfrm rot="5399978" flipH="0" flipV="0">
+          <a:xfrm rot="5399976" flipH="0" flipV="0">
             <a:off x="4919100" y="2487342"/>
             <a:ext cx="533885" cy="442882"/>
           </a:xfrm>
@@ -12568,7 +14528,7 @@
             </a:pPr>
             <a:r>
               <a:rPr lang="de-DE"/>
-              <a:t>3) </a:t>
+              <a:t>4) </a:t>
             </a:r>
             <a:r>
               <a:rPr/>
@@ -13019,7 +14979,7 @@
         </p:nvSpPr>
         <p:spPr bwMode="auto">
           <a:xfrm flipH="0" flipV="0">
-            <a:off x="287336" y="1321969"/>
+            <a:off x="287336" y="1321968"/>
             <a:ext cx="4628076" cy="475612"/>
           </a:xfrm>
         </p:spPr>
@@ -13278,7 +15238,7 @@
             </a:pPr>
             <a:r>
               <a:rPr lang="de-DE"/>
-              <a:t>3) </a:t>
+              <a:t>4) </a:t>
             </a:r>
             <a:r>
               <a:rPr/>
@@ -13729,7 +15689,7 @@
         </p:nvSpPr>
         <p:spPr bwMode="auto">
           <a:xfrm flipH="0" flipV="0">
-            <a:off x="287336" y="1321969"/>
+            <a:off x="287336" y="1321968"/>
             <a:ext cx="4628076" cy="475612"/>
           </a:xfrm>
         </p:spPr>
@@ -14185,7 +16145,7 @@
         </p:nvSpPr>
         <p:spPr bwMode="auto">
           <a:xfrm flipH="0" flipV="0">
-            <a:off x="4697728" y="3619155"/>
+            <a:off x="4697727" y="3619155"/>
             <a:ext cx="2921406" cy="366119"/>
           </a:xfrm>
           <a:prstGeom prst="rect">
@@ -14678,7 +16638,7 @@
     <p:bg>
       <p:bgPr shadeToTitle="0">
         <a:solidFill>
-          <a:schemeClr val="accent1"/>
+          <a:schemeClr val="bg1"/>
         </a:solidFill>
       </p:bgPr>
     </p:bg>
@@ -14788,7 +16748,7 @@
             </a:pPr>
             <a:r>
               <a:rPr lang="de-DE"/>
-              <a:t>3) </a:t>
+              <a:t>4) </a:t>
             </a:r>
             <a:r>
               <a:rPr/>
@@ -15239,7 +17199,7 @@
         </p:nvSpPr>
         <p:spPr bwMode="auto">
           <a:xfrm flipH="0" flipV="0">
-            <a:off x="287336" y="1321969"/>
+            <a:off x="287336" y="1321968"/>
             <a:ext cx="3883182" cy="475612"/>
           </a:xfrm>
         </p:spPr>
@@ -15460,7 +17420,7 @@
         <p:spPr bwMode="auto">
           <a:xfrm flipH="0" flipV="0">
             <a:off x="486591" y="2754809"/>
-            <a:ext cx="2982686" cy="383413"/>
+            <a:ext cx="2982685" cy="383413"/>
           </a:xfrm>
           <a:prstGeom prst="rect">
             <a:avLst/>
@@ -15676,7 +17636,7 @@
         </p:nvSpPr>
         <p:spPr bwMode="auto">
           <a:xfrm flipH="0" flipV="0">
-            <a:off x="5548926" y="2571748"/>
+            <a:off x="5548926" y="2571747"/>
             <a:ext cx="2552086" cy="896775"/>
           </a:xfrm>
           <a:prstGeom prst="rect">
@@ -16380,7 +18340,7 @@
             </a:pPr>
             <a:r>
               <a:rPr lang="de-DE"/>
-              <a:t>3) </a:t>
+              <a:t>4) </a:t>
             </a:r>
             <a:r>
               <a:rPr/>
@@ -16831,7 +18791,7 @@
         </p:nvSpPr>
         <p:spPr bwMode="auto">
           <a:xfrm flipH="0" flipV="0">
-            <a:off x="287336" y="1321969"/>
+            <a:off x="287336" y="1321968"/>
             <a:ext cx="4628076" cy="475612"/>
           </a:xfrm>
         </p:spPr>
@@ -17183,7 +19143,7 @@
         <p:spPr bwMode="auto">
           <a:xfrm flipH="0" flipV="0">
             <a:off x="486591" y="3682489"/>
-            <a:ext cx="4085407" cy="748267"/>
+            <a:ext cx="4085407" cy="748266"/>
           </a:xfrm>
           <a:prstGeom prst="rect">
             <a:avLst/>
@@ -17528,7 +19488,7 @@
             </a:pPr>
             <a:r>
               <a:rPr lang="de-DE"/>
-              <a:t>3) </a:t>
+              <a:t>4) </a:t>
             </a:r>
             <a:r>
               <a:rPr/>
@@ -17979,7 +19939,7 @@
         </p:nvSpPr>
         <p:spPr bwMode="auto">
           <a:xfrm flipH="0" flipV="0">
-            <a:off x="287336" y="1321969"/>
+            <a:off x="287336" y="1321968"/>
             <a:ext cx="3886254" cy="475612"/>
           </a:xfrm>
         </p:spPr>
@@ -18955,7 +20915,7 @@
         </p:nvSpPr>
         <p:spPr bwMode="auto">
           <a:xfrm flipH="0" flipV="0">
-            <a:off x="279399" y="1703826"/>
+            <a:off x="279398" y="2115554"/>
             <a:ext cx="8064499" cy="456195"/>
           </a:xfrm>
         </p:spPr>
@@ -19123,7 +21083,7 @@
             </a:pPr>
             <a:r>
               <a:rPr/>
-              <a:t>2) </a:t>
+              <a:t>3) </a:t>
             </a:r>
             <a:r>
               <a:rPr/>
@@ -19143,7 +21103,7 @@
         </p:nvSpPr>
         <p:spPr bwMode="auto">
           <a:xfrm flipH="0" flipV="0">
-            <a:off x="287337" y="2270890"/>
+            <a:off x="279398" y="2638106"/>
             <a:ext cx="8064499" cy="456195"/>
           </a:xfrm>
         </p:spPr>
@@ -19311,7 +21271,7 @@
             </a:pPr>
             <a:r>
               <a:rPr/>
-              <a:t>3) </a:t>
+              <a:t>4) </a:t>
             </a:r>
             <a:r>
               <a:rPr/>
@@ -19331,7 +21291,7 @@
         </p:nvSpPr>
         <p:spPr bwMode="auto">
           <a:xfrm flipH="0" flipV="0">
-            <a:off x="279399" y="2881914"/>
+            <a:off x="288000" y="3140094"/>
             <a:ext cx="8064499" cy="456195"/>
           </a:xfrm>
         </p:spPr>
@@ -19499,7 +21459,7 @@
             </a:pPr>
             <a:r>
               <a:rPr/>
-              <a:t>4) </a:t>
+              <a:t>5) </a:t>
             </a:r>
             <a:r>
               <a:rPr/>
@@ -19519,7 +21479,7 @@
         </p:nvSpPr>
         <p:spPr bwMode="auto">
           <a:xfrm flipH="0" flipV="0">
-            <a:off x="279399" y="3541338"/>
+            <a:off x="279398" y="3642082"/>
             <a:ext cx="8064499" cy="456195"/>
           </a:xfrm>
         </p:spPr>
@@ -19687,7 +21647,7 @@
             </a:pPr>
             <a:r>
               <a:rPr/>
-              <a:t>5) </a:t>
+              <a:t>6) </a:t>
             </a:r>
             <a:r>
               <a:rPr/>
@@ -19875,11 +21835,199 @@
             </a:pPr>
             <a:r>
               <a:rPr/>
-              <a:t>6) </a:t>
+              <a:t>7) </a:t>
             </a:r>
             <a:r>
               <a:rPr/>
               <a:t>Demonstration</a:t>
+            </a:r>
+            <a:endParaRPr/>
+          </a:p>
+        </p:txBody>
+      </p:sp>
+      <p:sp>
+        <p:nvSpPr>
+          <p:cNvPr id="645509023" name="Inhaltsplatzhalter 7"/>
+          <p:cNvSpPr>
+            <a:spLocks noGrp="1"/>
+          </p:cNvSpPr>
+          <p:nvPr/>
+        </p:nvSpPr>
+        <p:spPr bwMode="auto">
+          <a:xfrm flipH="0" flipV="0">
+            <a:off x="279398" y="1595753"/>
+            <a:ext cx="8064498" cy="456194"/>
+          </a:xfrm>
+        </p:spPr>
+        <p:txBody>
+          <a:bodyPr vert="horz" wrap="square" lIns="0" tIns="0" rIns="0" bIns="0" numCol="1" anchor="t" anchorCtr="0" compatLnSpc="1">
+            <a:prstTxWarp prst="textNoShape"/>
+          </a:bodyPr>
+          <a:lstStyle>
+            <a:lvl1pPr marL="0" indent="0" algn="l">
+              <a:spcBef>
+                <a:spcPts val="0"/>
+              </a:spcBef>
+              <a:spcAft>
+                <a:spcPts val="0"/>
+              </a:spcAft>
+              <a:buFontTx/>
+              <a:buNone/>
+              <a:defRPr sz="2400">
+                <a:solidFill>
+                  <a:schemeClr val="tx1"/>
+                </a:solidFill>
+                <a:latin typeface="Verdana"/>
+                <a:ea typeface="Verdana"/>
+                <a:cs typeface="Verdana"/>
+              </a:defRPr>
+            </a:lvl1pPr>
+            <a:lvl2pPr marL="0" indent="0" algn="l">
+              <a:spcBef>
+                <a:spcPts val="1998"/>
+              </a:spcBef>
+              <a:spcAft>
+                <a:spcPts val="0"/>
+              </a:spcAft>
+              <a:buNone/>
+              <a:defRPr sz="2400">
+                <a:solidFill>
+                  <a:schemeClr val="tx1"/>
+                </a:solidFill>
+                <a:latin typeface="Verdana"/>
+                <a:ea typeface="Verdana"/>
+                <a:cs typeface="Verdana"/>
+              </a:defRPr>
+            </a:lvl2pPr>
+            <a:lvl3pPr marL="723898" indent="-368298" algn="l">
+              <a:spcBef>
+                <a:spcPts val="0"/>
+              </a:spcBef>
+              <a:spcAft>
+                <a:spcPts val="0"/>
+              </a:spcAft>
+              <a:buFont typeface="Verdana"/>
+              <a:buChar char="&gt;"/>
+              <a:defRPr sz="2400">
+                <a:solidFill>
+                  <a:schemeClr val="tx1"/>
+                </a:solidFill>
+                <a:latin typeface="Verdana"/>
+                <a:ea typeface="Verdana"/>
+                <a:cs typeface="Verdana"/>
+              </a:defRPr>
+            </a:lvl3pPr>
+            <a:lvl4pPr marL="0" indent="0" algn="l">
+              <a:spcBef>
+                <a:spcPts val="1598"/>
+              </a:spcBef>
+              <a:spcAft>
+                <a:spcPts val="0"/>
+              </a:spcAft>
+              <a:buFontTx/>
+              <a:buNone/>
+              <a:defRPr sz="1600">
+                <a:solidFill>
+                  <a:schemeClr val="tx1"/>
+                </a:solidFill>
+                <a:latin typeface="Verdana"/>
+                <a:ea typeface="Verdana"/>
+                <a:cs typeface="Verdana"/>
+              </a:defRPr>
+            </a:lvl4pPr>
+            <a:lvl5pPr marL="723898" indent="-368298" algn="l">
+              <a:spcBef>
+                <a:spcPts val="0"/>
+              </a:spcBef>
+              <a:spcAft>
+                <a:spcPts val="0"/>
+              </a:spcAft>
+              <a:buFont typeface="Verdana"/>
+              <a:buChar char="&gt;"/>
+              <a:defRPr sz="1600">
+                <a:solidFill>
+                  <a:schemeClr val="tx1"/>
+                </a:solidFill>
+                <a:latin typeface="Verdana"/>
+                <a:ea typeface="Verdana"/>
+                <a:cs typeface="Verdana"/>
+              </a:defRPr>
+            </a:lvl5pPr>
+            <a:lvl6pPr marL="2514598" indent="-228600" algn="l" defTabSz="914400">
+              <a:spcBef>
+                <a:spcPts val="0"/>
+              </a:spcBef>
+              <a:buFont typeface="Arial"/>
+              <a:buChar char="•"/>
+              <a:defRPr sz="2000">
+                <a:solidFill>
+                  <a:schemeClr val="tx1"/>
+                </a:solidFill>
+                <a:latin typeface="+mn-lt"/>
+                <a:ea typeface="+mn-ea"/>
+                <a:cs typeface="+mn-cs"/>
+              </a:defRPr>
+            </a:lvl6pPr>
+            <a:lvl7pPr marL="2971800" indent="-228600" algn="l" defTabSz="914400">
+              <a:spcBef>
+                <a:spcPts val="0"/>
+              </a:spcBef>
+              <a:buFont typeface="Arial"/>
+              <a:buChar char="•"/>
+              <a:defRPr sz="2000">
+                <a:solidFill>
+                  <a:schemeClr val="tx1"/>
+                </a:solidFill>
+                <a:latin typeface="+mn-lt"/>
+                <a:ea typeface="+mn-ea"/>
+                <a:cs typeface="+mn-cs"/>
+              </a:defRPr>
+            </a:lvl7pPr>
+            <a:lvl8pPr marL="3429000" indent="-228600" algn="l" defTabSz="914400">
+              <a:spcBef>
+                <a:spcPts val="0"/>
+              </a:spcBef>
+              <a:buFont typeface="Arial"/>
+              <a:buChar char="•"/>
+              <a:defRPr sz="2000">
+                <a:solidFill>
+                  <a:schemeClr val="tx1"/>
+                </a:solidFill>
+                <a:latin typeface="+mn-lt"/>
+                <a:ea typeface="+mn-ea"/>
+                <a:cs typeface="+mn-cs"/>
+              </a:defRPr>
+            </a:lvl8pPr>
+            <a:lvl9pPr marL="3886200" indent="-228600" algn="l" defTabSz="914400">
+              <a:spcBef>
+                <a:spcPts val="0"/>
+              </a:spcBef>
+              <a:buFont typeface="Arial"/>
+              <a:buChar char="•"/>
+              <a:defRPr sz="2000">
+                <a:solidFill>
+                  <a:schemeClr val="tx1"/>
+                </a:solidFill>
+                <a:latin typeface="+mn-lt"/>
+                <a:ea typeface="+mn-ea"/>
+                <a:cs typeface="+mn-cs"/>
+              </a:defRPr>
+            </a:lvl9pPr>
+          </a:lstStyle>
+          <a:p>
+            <a:pPr>
+              <a:lnSpc>
+                <a:spcPct val="150000"/>
+              </a:lnSpc>
+              <a:defRPr/>
+            </a:pPr>
+            <a:r>
+              <a:rPr/>
+              <a:t>2) </a:t>
+            </a:r>
+            <a:r>
+              <a:rPr/>
+              <a:t>Grundlagen</a:t>
             </a:r>
             <a:endParaRPr/>
           </a:p>
@@ -19906,6 +22054,59 @@
             <p:seq concurrent="1" nextAc="seek">
               <p:cTn id="2" dur="indefinite" nodeType="mainSeq">
                 <p:childTnLst>
+                  <p:par>
+                    <p:cTn id="33" fill="hold">
+                      <p:stCondLst>
+                        <p:cond delay="indefinite"/>
+                      </p:stCondLst>
+                      <p:childTnLst>
+                        <p:par>
+                          <p:cTn id="34" fill="hold">
+                            <p:stCondLst>
+                              <p:cond delay="0"/>
+                            </p:stCondLst>
+                            <p:childTnLst>
+                              <p:par>
+                                <p:cTn id="35" presetID="10" presetClass="entr" presetSubtype="0" fill="hold" grpId="0" nodeType="clickEffect">
+                                  <p:stCondLst>
+                                    <p:cond delay="0"/>
+                                  </p:stCondLst>
+                                  <p:childTnLst>
+                                    <p:set>
+                                      <p:cBhvr>
+                                        <p:cTn id="37" dur="1" fill="hold">
+                                          <p:stCondLst>
+                                            <p:cond delay="0"/>
+                                          </p:stCondLst>
+                                        </p:cTn>
+                                        <p:tgtEl>
+                                          <p:spTgt spid="8195"/>
+                                        </p:tgtEl>
+                                        <p:attrNameLst>
+                                          <p:attrName>style.visibility</p:attrName>
+                                        </p:attrNameLst>
+                                      </p:cBhvr>
+                                      <p:to>
+                                        <p:strVal val="visible"/>
+                                      </p:to>
+                                    </p:set>
+                                    <p:animEffect transition="in" filter="fade">
+                                      <p:cBhvr>
+                                        <p:cTn id="36" dur="500"/>
+                                        <p:tgtEl>
+                                          <p:spTgt spid="8195"/>
+                                        </p:tgtEl>
+                                      </p:cBhvr>
+                                    </p:animEffect>
+                                  </p:childTnLst>
+                                </p:cTn>
+                              </p:par>
+                            </p:childTnLst>
+                          </p:cTn>
+                        </p:par>
+                      </p:childTnLst>
+                    </p:cTn>
+                  </p:par>
                   <p:par>
                     <p:cTn id="28" fill="hold">
                       <p:stCondLst>
@@ -19932,7 +22133,7 @@
                                           </p:stCondLst>
                                         </p:cTn>
                                         <p:tgtEl>
-                                          <p:spTgt spid="8195"/>
+                                          <p:spTgt spid="645509023"/>
                                         </p:tgtEl>
                                         <p:attrNameLst>
                                           <p:attrName>style.visibility</p:attrName>
@@ -19946,7 +22147,7 @@
                                       <p:cBhvr>
                                         <p:cTn id="31" dur="500"/>
                                         <p:tgtEl>
-                                          <p:spTgt spid="8195"/>
+                                          <p:spTgt spid="645509023"/>
                                         </p:tgtEl>
                                       </p:cBhvr>
                                     </p:animEffect>
@@ -20296,7 +22497,7 @@
             </a:pPr>
             <a:r>
               <a:rPr lang="de-DE"/>
-              <a:t>3) </a:t>
+              <a:t>4) </a:t>
             </a:r>
             <a:r>
               <a:rPr/>
@@ -20747,7 +22948,7 @@
         </p:nvSpPr>
         <p:spPr bwMode="auto">
           <a:xfrm flipH="0" flipV="0">
-            <a:off x="287336" y="1321969"/>
+            <a:off x="287336" y="1321968"/>
             <a:ext cx="2600970" cy="475612"/>
           </a:xfrm>
         </p:spPr>
@@ -21199,14 +23400,12 @@
           <p:cNvPr id="0" name=""/>
           <p:cNvCxnSpPr>
             <a:cxnSpLocks/>
-            <a:stCxn id="1392261736" idx="3"/>
-            <a:endCxn id="729621495" idx="1"/>
           </p:cNvCxnSpPr>
           <p:nvPr/>
         </p:nvCxnSpPr>
         <p:spPr bwMode="auto">
           <a:xfrm rot="0" flipH="0" flipV="1">
-            <a:off x="5586901" y="2927422"/>
+            <a:off x="5586899" y="2927421"/>
             <a:ext cx="973870" cy="0"/>
           </a:xfrm>
           <a:prstGeom prst="line">
@@ -21277,7 +23476,7 @@
           <p:nvPr/>
         </p:nvCxnSpPr>
         <p:spPr bwMode="auto">
-          <a:xfrm rot="5399978" flipH="0" flipV="1">
+          <a:xfrm rot="5399976" flipH="0" flipV="1">
             <a:off x="5133647" y="2768878"/>
             <a:ext cx="1063425" cy="1790822"/>
           </a:xfrm>
@@ -21360,26 +23559,26 @@
               <p:cTn id="2" dur="indefinite" nodeType="mainSeq">
                 <p:childTnLst>
                   <p:par>
-                    <p:cTn id="33" fill="hold">
+                    <p:cTn id="35" fill="hold">
                       <p:stCondLst>
                         <p:cond delay="indefinite"/>
                       </p:stCondLst>
                       <p:childTnLst>
                         <p:par>
-                          <p:cTn id="34" fill="hold">
+                          <p:cTn id="36" fill="hold">
                             <p:stCondLst>
                               <p:cond delay="0"/>
                             </p:stCondLst>
                             <p:childTnLst>
                               <p:par>
-                                <p:cTn id="35" presetID="10" presetClass="entr" presetSubtype="0" fill="hold" grpId="0" nodeType="clickEffect">
+                                <p:cTn id="37" presetID="10" presetClass="entr" presetSubtype="0" fill="hold" grpId="0" nodeType="clickEffect">
                                   <p:stCondLst>
                                     <p:cond delay="0"/>
                                   </p:stCondLst>
                                   <p:childTnLst>
                                     <p:set>
                                       <p:cBhvr>
-                                        <p:cTn id="37" dur="1" fill="hold">
+                                        <p:cTn id="39" dur="1" fill="hold">
                                           <p:stCondLst>
                                             <p:cond delay="0"/>
                                           </p:stCondLst>
@@ -21397,7 +23596,7 @@
                                     </p:set>
                                     <p:animEffect transition="in" filter="fade">
                                       <p:cBhvr>
-                                        <p:cTn id="36" dur="500"/>
+                                        <p:cTn id="38" dur="500"/>
                                         <p:tgtEl>
                                           <p:spTgt spid="1400911209"/>
                                         </p:tgtEl>
@@ -21413,26 +23612,26 @@
                     </p:cTn>
                   </p:par>
                   <p:par>
-                    <p:cTn id="25" fill="hold">
+                    <p:cTn id="27" fill="hold">
                       <p:stCondLst>
                         <p:cond delay="indefinite"/>
                       </p:stCondLst>
                       <p:childTnLst>
                         <p:par>
-                          <p:cTn id="26" fill="hold">
+                          <p:cTn id="28" fill="hold">
                             <p:stCondLst>
                               <p:cond delay="0"/>
                             </p:stCondLst>
                             <p:childTnLst>
                               <p:par>
-                                <p:cTn id="30" presetID="10" presetClass="entr" presetSubtype="0" fill="hold" grpId="0" nodeType="clickEffect">
+                                <p:cTn id="32" presetID="10" presetClass="entr" presetSubtype="0" fill="hold" grpId="0" nodeType="clickEffect">
                                   <p:stCondLst>
                                     <p:cond delay="0"/>
                                   </p:stCondLst>
                                   <p:childTnLst>
                                     <p:set>
                                       <p:cBhvr>
-                                        <p:cTn id="32" dur="1" fill="hold">
+                                        <p:cTn id="34" dur="1" fill="hold">
                                           <p:stCondLst>
                                             <p:cond delay="0"/>
                                           </p:stCondLst>
@@ -21450,7 +23649,7 @@
                                     </p:set>
                                     <p:animEffect transition="in" filter="fade">
                                       <p:cBhvr>
-                                        <p:cTn id="31" dur="500"/>
+                                        <p:cTn id="33" dur="500"/>
                                         <p:tgtEl>
                                           <p:spTgt spid="0"/>
                                         </p:tgtEl>
@@ -21460,14 +23659,14 @@
                                 </p:cTn>
                               </p:par>
                               <p:par>
-                                <p:cTn id="27" presetID="10" presetClass="entr" presetSubtype="0" fill="hold" grpId="0" nodeType="withEffect">
+                                <p:cTn id="29" presetID="10" presetClass="entr" presetSubtype="0" fill="hold" grpId="0" nodeType="withEffect">
                                   <p:stCondLst>
                                     <p:cond delay="0"/>
                                   </p:stCondLst>
                                   <p:childTnLst>
                                     <p:set>
                                       <p:cBhvr>
-                                        <p:cTn id="29" dur="1" fill="hold">
+                                        <p:cTn id="31" dur="1" fill="hold">
                                           <p:stCondLst>
                                             <p:cond delay="0"/>
                                           </p:stCondLst>
@@ -21485,7 +23684,7 @@
                                     </p:set>
                                     <p:animEffect transition="in" filter="fade">
                                       <p:cBhvr>
-                                        <p:cTn id="28" dur="500"/>
+                                        <p:cTn id="30" dur="500"/>
                                         <p:tgtEl>
                                           <p:spTgt spid="1392261736"/>
                                         </p:tgtEl>
@@ -21513,14 +23712,14 @@
                             </p:stCondLst>
                             <p:childTnLst>
                               <p:par>
-                                <p:cTn id="23" presetID="1" presetClass="entr" presetSubtype="0" fill="hold" grpId="0" nodeType="clickEffect">
+                                <p:cTn id="24" presetID="10" presetClass="entr" presetSubtype="0" fill="hold" grpId="0" nodeType="clickEffect">
                                   <p:stCondLst>
                                     <p:cond delay="0"/>
                                   </p:stCondLst>
                                   <p:childTnLst>
                                     <p:set>
                                       <p:cBhvr>
-                                        <p:cTn id="24" dur="1" fill="hold">
+                                        <p:cTn id="26" dur="1" fill="hold">
                                           <p:stCondLst>
                                             <p:cond delay="0"/>
                                           </p:stCondLst>
@@ -21536,18 +23735,26 @@
                                         <p:strVal val="visible"/>
                                       </p:to>
                                     </p:set>
+                                    <p:animEffect transition="in" filter="fade">
+                                      <p:cBhvr>
+                                        <p:cTn id="25" dur="500"/>
+                                        <p:tgtEl>
+                                          <p:spTgt spid="0"/>
+                                        </p:tgtEl>
+                                      </p:cBhvr>
+                                    </p:animEffect>
                                   </p:childTnLst>
                                 </p:cTn>
                               </p:par>
                               <p:par>
-                                <p:cTn id="21" presetID="1" presetClass="entr" presetSubtype="0" fill="hold" grpId="0" nodeType="withEffect">
+                                <p:cTn id="21" presetID="10" presetClass="entr" presetSubtype="0" fill="hold" grpId="0" nodeType="withEffect">
                                   <p:stCondLst>
                                     <p:cond delay="0"/>
                                   </p:stCondLst>
                                   <p:childTnLst>
                                     <p:set>
                                       <p:cBhvr>
-                                        <p:cTn id="22" dur="1" fill="hold">
+                                        <p:cTn id="23" dur="1" fill="hold">
                                           <p:stCondLst>
                                             <p:cond delay="0"/>
                                           </p:stCondLst>
@@ -21563,6 +23770,14 @@
                                         <p:strVal val="visible"/>
                                       </p:to>
                                     </p:set>
+                                    <p:animEffect transition="in" filter="fade">
+                                      <p:cBhvr>
+                                        <p:cTn id="22" dur="500"/>
+                                        <p:tgtEl>
+                                          <p:spTgt spid="729621495"/>
+                                        </p:tgtEl>
+                                      </p:cBhvr>
+                                    </p:animEffect>
                                   </p:childTnLst>
                                 </p:cTn>
                               </p:par>
@@ -21820,7 +24035,7 @@
             </a:pPr>
             <a:r>
               <a:rPr lang="de-DE"/>
-              <a:t>3) </a:t>
+              <a:t>4) </a:t>
             </a:r>
             <a:r>
               <a:rPr/>
@@ -22365,7 +24580,7 @@
         </p:nvSpPr>
         <p:spPr bwMode="auto">
           <a:xfrm flipH="0" flipV="0">
-            <a:off x="148943" y="1886570"/>
+            <a:off x="148943" y="1886569"/>
             <a:ext cx="2608269" cy="1353671"/>
           </a:xfrm>
           <a:prstGeom prst="rect">
@@ -22451,7 +24666,7 @@
         </p:nvSpPr>
         <p:spPr bwMode="auto">
           <a:xfrm flipH="0" flipV="0">
-            <a:off x="2909612" y="1886570"/>
+            <a:off x="2909612" y="1886569"/>
             <a:ext cx="2674869" cy="2931011"/>
           </a:xfrm>
           <a:prstGeom prst="rect">
@@ -22608,7 +24823,7 @@
         </p:nvSpPr>
         <p:spPr bwMode="auto">
           <a:xfrm flipH="0" flipV="0">
-            <a:off x="5737242" y="1886570"/>
+            <a:off x="5737242" y="1886569"/>
             <a:ext cx="2693229" cy="1353660"/>
           </a:xfrm>
           <a:prstGeom prst="rect">
@@ -23144,7 +25359,7 @@
         <p:spPr bwMode="auto">
           <a:xfrm flipH="0" flipV="0">
             <a:off x="287336" y="216000"/>
-            <a:ext cx="8064498" cy="861133"/>
+            <a:ext cx="8064498" cy="861132"/>
           </a:xfrm>
         </p:spPr>
         <p:txBody>
@@ -23161,7 +25376,7 @@
             </a:pPr>
             <a:r>
               <a:rPr lang="de-DE"/>
-              <a:t>3) </a:t>
+              <a:t>4) </a:t>
             </a:r>
             <a:r>
               <a:rPr/>
@@ -23717,7 +25932,7 @@
         <p:spPr bwMode="auto">
           <a:xfrm flipH="0" flipV="0">
             <a:off x="3154362" y="1667164"/>
-            <a:ext cx="1483677" cy="3213378"/>
+            <a:ext cx="1483677" cy="3213377"/>
           </a:xfrm>
           <a:prstGeom prst="rect">
             <a:avLst/>
@@ -23761,7 +25976,7 @@
         <p:spPr bwMode="auto">
           <a:xfrm flipH="0" flipV="0">
             <a:off x="348864" y="1667164"/>
-            <a:ext cx="1483677" cy="3213378"/>
+            <a:ext cx="1483677" cy="3213377"/>
           </a:xfrm>
           <a:prstGeom prst="rect">
             <a:avLst/>
@@ -24020,7 +26235,7 @@
             </a:pPr>
             <a:r>
               <a:rPr lang="de-DE"/>
-              <a:t>3) </a:t>
+              <a:t>4) </a:t>
             </a:r>
             <a:r>
               <a:rPr/>
@@ -24732,18 +26947,12 @@
               <a:defRPr/>
             </a:pPr>
             <a:r>
-              <a:rPr/>
-              <a:t>		{ :</a:t>
-            </a:r>
-            <a:endParaRPr/>
-          </a:p>
-          <a:p>
-            <a:pPr>
-              <a:defRPr/>
-            </a:pPr>
-            <a:r>
-              <a:rPr/>
-              <a:t>}</a:t>
+              <a:rPr>
+                <a:solidFill>
+                  <a:schemeClr val="tx1"/>
+                </a:solidFill>
+              </a:rPr>
+              <a:t>@Provides</a:t>
             </a:r>
             <a:endParaRPr/>
           </a:p>
@@ -24756,7 +26965,7 @@
             </a:pPr>
             <a:r>
               <a:rPr/>
-              <a:t>	</a:t>
+              <a:t>fun dataRepoProvider() : </a:t>
             </a:r>
             <a:r>
               <a:rPr>
@@ -24764,11 +26973,24 @@
                   <a:srgbClr val="FFC000"/>
                 </a:solidFill>
               </a:rPr>
-              <a:t>DataRepository </a:t>
+              <a:t>DataRepository</a:t>
             </a:r>
             <a:r>
               <a:rPr/>
-              <a:t>{..}</a:t>
+              <a:t> {..}</a:t>
+            </a:r>
+            <a:endParaRPr/>
+          </a:p>
+          <a:p>
+            <a:pPr>
+              <a:tabLst>
+                <a:tab pos="360000" algn="l"/>
+              </a:tabLst>
+              <a:defRPr/>
+            </a:pPr>
+            <a:r>
+              <a:rPr/>
+              <a:t>}</a:t>
             </a:r>
             <a:endParaRPr/>
           </a:p>
@@ -24835,7 +27057,7 @@
             </a:pPr>
             <a:r>
               <a:rPr/>
-              <a:t>	Private val repo : </a:t>
+              <a:t>	private val repo : </a:t>
             </a:r>
             <a:r>
               <a:rPr>
@@ -25392,7 +27614,7 @@
             </a:pPr>
             <a:r>
               <a:rPr lang="de-DE"/>
-              <a:t>3) </a:t>
+              <a:t>4) </a:t>
             </a:r>
             <a:r>
               <a:rPr/>
@@ -25914,7 +28136,7 @@
         <p:spPr bwMode="auto">
           <a:xfrm flipH="0" flipV="0">
             <a:off x="246195" y="1834830"/>
-            <a:ext cx="2558669" cy="366119"/>
+            <a:ext cx="2558668" cy="366119"/>
           </a:xfrm>
           <a:prstGeom prst="rect">
             <a:avLst/>
@@ -25979,7 +28201,7 @@
         </p:nvSpPr>
         <p:spPr bwMode="auto">
           <a:xfrm flipH="0" flipV="0">
-            <a:off x="287336" y="1321969"/>
+            <a:off x="287336" y="1321968"/>
             <a:ext cx="4628076" cy="475612"/>
           </a:xfrm>
         </p:spPr>
@@ -26745,7 +28967,7 @@
             </a:pPr>
             <a:r>
               <a:rPr lang="de-DE"/>
-              <a:t>3) </a:t>
+              <a:t>4) </a:t>
             </a:r>
             <a:r>
               <a:rPr/>
@@ -27200,7 +29422,7 @@
         </p:nvSpPr>
         <p:spPr bwMode="auto">
           <a:xfrm flipH="0" flipV="0">
-            <a:off x="287336" y="1321969"/>
+            <a:off x="287336" y="1321968"/>
             <a:ext cx="4628076" cy="475612"/>
           </a:xfrm>
         </p:spPr>
@@ -27610,8 +29832,8 @@
         </p:nvSpPr>
         <p:spPr bwMode="auto">
           <a:xfrm flipH="0" flipV="0">
-            <a:off x="4997144" y="1193656"/>
-            <a:ext cx="3495825" cy="366119"/>
+            <a:off x="4997143" y="1193655"/>
+            <a:ext cx="3499785" cy="366119"/>
           </a:xfrm>
           <a:prstGeom prst="rect">
             <a:avLst/>
@@ -27632,7 +29854,7 @@
             </a:r>
             <a:r>
               <a:rPr/>
-              <a:t>Darstellung in der Live-Demo)</a:t>
+              <a:t>Näheres in Live-Demo)</a:t>
             </a:r>
             <a:endParaRPr/>
           </a:p>
@@ -28539,7 +30761,7 @@
             </a:pPr>
             <a:r>
               <a:rPr lang="de-DE"/>
-              <a:t>4) </a:t>
+              <a:t>5) </a:t>
             </a:r>
             <a:r>
               <a:rPr/>
@@ -28990,7 +31212,7 @@
         </p:nvSpPr>
         <p:spPr bwMode="auto">
           <a:xfrm flipH="0" flipV="0">
-            <a:off x="287336" y="1321969"/>
+            <a:off x="287336" y="1321968"/>
             <a:ext cx="2435484" cy="341797"/>
           </a:xfrm>
         </p:spPr>
@@ -29355,7 +31577,7 @@
             </a:pPr>
             <a:r>
               <a:rPr lang="de-DE"/>
-              <a:t>4) </a:t>
+              <a:t>5) </a:t>
             </a:r>
             <a:r>
               <a:rPr/>
@@ -29806,7 +32028,7 @@
         </p:nvSpPr>
         <p:spPr bwMode="auto">
           <a:xfrm flipH="0" flipV="0">
-            <a:off x="287336" y="1321969"/>
+            <a:off x="287336" y="1321968"/>
             <a:ext cx="3238305" cy="341797"/>
           </a:xfrm>
         </p:spPr>
@@ -30173,7 +32395,7 @@
         <p:spPr bwMode="auto">
           <a:xfrm flipH="0" flipV="0">
             <a:off x="5136923" y="2694509"/>
-            <a:ext cx="884463" cy="95248"/>
+            <a:ext cx="884463" cy="95247"/>
           </a:xfrm>
           <a:prstGeom prst="rightArrow">
             <a:avLst>
@@ -30704,7 +32926,7 @@
         </p:nvSpPr>
         <p:spPr bwMode="auto">
           <a:xfrm flipH="0" flipV="0">
-            <a:off x="5402343" y="2853515"/>
+            <a:off x="5402342" y="2853515"/>
             <a:ext cx="518156" cy="190499"/>
           </a:xfrm>
           <a:prstGeom prst="mathMinus">
@@ -31041,7 +33263,7 @@
             </a:pPr>
             <a:r>
               <a:rPr lang="de-DE"/>
-              <a:t>4) </a:t>
+              <a:t>5) </a:t>
             </a:r>
             <a:r>
               <a:rPr/>
@@ -31492,7 +33714,7 @@
         </p:nvSpPr>
         <p:spPr bwMode="auto">
           <a:xfrm flipH="0" flipV="0">
-            <a:off x="287336" y="1321969"/>
+            <a:off x="287336" y="1321968"/>
             <a:ext cx="4367698" cy="341797"/>
           </a:xfrm>
         </p:spPr>
@@ -31688,7 +33910,7 @@
         </p:nvSpPr>
         <p:spPr bwMode="auto">
           <a:xfrm flipH="0" flipV="0">
-            <a:off x="2410051" y="3138577"/>
+            <a:off x="282125" y="3037246"/>
             <a:ext cx="2244983" cy="411910"/>
           </a:xfrm>
           <a:prstGeom prst="rect">
@@ -31734,7 +33956,7 @@
         <p:spPr bwMode="auto">
           <a:xfrm flipH="0" flipV="0">
             <a:off x="287337" y="3550488"/>
-            <a:ext cx="2244983" cy="411909"/>
+            <a:ext cx="2244983" cy="411908"/>
           </a:xfrm>
           <a:prstGeom prst="rect">
             <a:avLst/>
@@ -31779,7 +34001,7 @@
         <p:spPr bwMode="auto">
           <a:xfrm flipH="0" flipV="0">
             <a:off x="287337" y="1930851"/>
-            <a:ext cx="2244983" cy="411909"/>
+            <a:ext cx="2244983" cy="411908"/>
           </a:xfrm>
           <a:prstGeom prst="rect">
             <a:avLst/>
@@ -31824,7 +34046,7 @@
         <p:spPr bwMode="auto">
           <a:xfrm flipH="0" flipV="0">
             <a:off x="287337" y="2495160"/>
-            <a:ext cx="2244983" cy="411909"/>
+            <a:ext cx="2244983" cy="411908"/>
           </a:xfrm>
           <a:prstGeom prst="rect">
             <a:avLst/>
@@ -33419,7 +35641,7 @@
             </a:pPr>
             <a:r>
               <a:rPr lang="de-DE"/>
-              <a:t>5) </a:t>
+              <a:t>6) </a:t>
             </a:r>
             <a:r>
               <a:rPr/>
@@ -35287,26 +37509,26 @@
               <p:cTn id="2" dur="indefinite" nodeType="mainSeq">
                 <p:childTnLst>
                   <p:par>
-                    <p:cTn id="16" fill="hold">
+                    <p:cTn id="21" fill="hold">
                       <p:stCondLst>
                         <p:cond delay="indefinite"/>
                       </p:stCondLst>
                       <p:childTnLst>
                         <p:par>
-                          <p:cTn id="17" fill="hold">
+                          <p:cTn id="22" fill="hold">
                             <p:stCondLst>
                               <p:cond delay="0"/>
                             </p:stCondLst>
                             <p:childTnLst>
                               <p:par>
-                                <p:cTn id="24" presetID="10" presetClass="entr" presetSubtype="0" fill="hold" grpId="0" nodeType="clickEffect">
+                                <p:cTn id="29" presetID="10" presetClass="entr" presetSubtype="0" fill="hold" grpId="0" nodeType="clickEffect">
                                   <p:stCondLst>
                                     <p:cond delay="0"/>
                                   </p:stCondLst>
                                   <p:childTnLst>
                                     <p:set>
                                       <p:cBhvr>
-                                        <p:cTn id="26" dur="1" fill="hold">
+                                        <p:cTn id="31" dur="1" fill="hold">
                                           <p:stCondLst>
                                             <p:cond delay="0"/>
                                           </p:stCondLst>
@@ -35324,7 +37546,7 @@
                                     </p:set>
                                     <p:animEffect transition="in" filter="fade">
                                       <p:cBhvr>
-                                        <p:cTn id="25" dur="500"/>
+                                        <p:cTn id="30" dur="500"/>
                                         <p:tgtEl>
                                           <p:spTgt spid="682299805"/>
                                         </p:tgtEl>
@@ -35334,14 +37556,14 @@
                                 </p:cTn>
                               </p:par>
                               <p:par>
-                                <p:cTn id="21" presetID="10" presetClass="entr" presetSubtype="0" fill="hold" grpId="0" nodeType="withEffect">
+                                <p:cTn id="26" presetID="10" presetClass="entr" presetSubtype="0" fill="hold" grpId="0" nodeType="withEffect">
                                   <p:stCondLst>
                                     <p:cond delay="0"/>
                                   </p:stCondLst>
                                   <p:childTnLst>
                                     <p:set>
                                       <p:cBhvr>
-                                        <p:cTn id="23" dur="1" fill="hold">
+                                        <p:cTn id="28" dur="1" fill="hold">
                                           <p:stCondLst>
                                             <p:cond delay="0"/>
                                           </p:stCondLst>
@@ -35359,7 +37581,7 @@
                                     </p:set>
                                     <p:animEffect transition="in" filter="fade">
                                       <p:cBhvr>
-                                        <p:cTn id="22" dur="500"/>
+                                        <p:cTn id="27" dur="500"/>
                                         <p:tgtEl>
                                           <p:spTgt spid="1504561625"/>
                                         </p:tgtEl>
@@ -35369,14 +37591,14 @@
                                 </p:cTn>
                               </p:par>
                               <p:par>
-                                <p:cTn id="18" presetID="10" presetClass="entr" presetSubtype="0" fill="hold" grpId="0" nodeType="withEffect">
+                                <p:cTn id="23" presetID="10" presetClass="entr" presetSubtype="0" fill="hold" grpId="0" nodeType="withEffect">
                                   <p:stCondLst>
                                     <p:cond delay="0"/>
                                   </p:stCondLst>
                                   <p:childTnLst>
                                     <p:set>
                                       <p:cBhvr>
-                                        <p:cTn id="20" dur="1" fill="hold">
+                                        <p:cTn id="25" dur="1" fill="hold">
                                           <p:stCondLst>
                                             <p:cond delay="0"/>
                                           </p:stCondLst>
@@ -35394,9 +37616,97 @@
                                     </p:set>
                                     <p:animEffect transition="in" filter="fade">
                                       <p:cBhvr>
+                                        <p:cTn id="24" dur="500"/>
+                                        <p:tgtEl>
+                                          <p:spTgt spid="2015952965"/>
+                                        </p:tgtEl>
+                                      </p:cBhvr>
+                                    </p:animEffect>
+                                  </p:childTnLst>
+                                </p:cTn>
+                              </p:par>
+                            </p:childTnLst>
+                          </p:cTn>
+                        </p:par>
+                      </p:childTnLst>
+                    </p:cTn>
+                  </p:par>
+                  <p:par>
+                    <p:cTn id="13" fill="hold">
+                      <p:stCondLst>
+                        <p:cond delay="indefinite"/>
+                      </p:stCondLst>
+                      <p:childTnLst>
+                        <p:par>
+                          <p:cTn id="14" fill="hold">
+                            <p:stCondLst>
+                              <p:cond delay="0"/>
+                            </p:stCondLst>
+                            <p:childTnLst>
+                              <p:par>
+                                <p:cTn id="18" presetID="10" presetClass="entr" presetSubtype="0" fill="hold" grpId="0" nodeType="clickEffect">
+                                  <p:stCondLst>
+                                    <p:cond delay="0"/>
+                                  </p:stCondLst>
+                                  <p:childTnLst>
+                                    <p:set>
+                                      <p:cBhvr>
+                                        <p:cTn id="20" dur="1" fill="hold">
+                                          <p:stCondLst>
+                                            <p:cond delay="0"/>
+                                          </p:stCondLst>
+                                        </p:cTn>
+                                        <p:tgtEl>
+                                          <p:spTgt spid="1265376493"/>
+                                        </p:tgtEl>
+                                        <p:attrNameLst>
+                                          <p:attrName>style.visibility</p:attrName>
+                                        </p:attrNameLst>
+                                      </p:cBhvr>
+                                      <p:to>
+                                        <p:strVal val="visible"/>
+                                      </p:to>
+                                    </p:set>
+                                    <p:animEffect transition="in" filter="fade">
+                                      <p:cBhvr>
                                         <p:cTn id="19" dur="500"/>
                                         <p:tgtEl>
-                                          <p:spTgt spid="2015952965"/>
+                                          <p:spTgt spid="1265376493"/>
+                                        </p:tgtEl>
+                                      </p:cBhvr>
+                                    </p:animEffect>
+                                  </p:childTnLst>
+                                </p:cTn>
+                              </p:par>
+                              <p:par>
+                                <p:cTn id="15" presetID="10" presetClass="entr" presetSubtype="0" fill="hold" grpId="0" nodeType="withEffect">
+                                  <p:stCondLst>
+                                    <p:cond delay="0"/>
+                                  </p:stCondLst>
+                                  <p:childTnLst>
+                                    <p:set>
+                                      <p:cBhvr>
+                                        <p:cTn id="17" dur="1" fill="hold">
+                                          <p:stCondLst>
+                                            <p:cond delay="0"/>
+                                          </p:stCondLst>
+                                        </p:cTn>
+                                        <p:tgtEl>
+                                          <p:spTgt spid="169412569"/>
+                                        </p:tgtEl>
+                                        <p:attrNameLst>
+                                          <p:attrName>style.visibility</p:attrName>
+                                        </p:attrNameLst>
+                                      </p:cBhvr>
+                                      <p:to>
+                                        <p:strVal val="visible"/>
+                                      </p:to>
+                                    </p:set>
+                                    <p:animEffect transition="in" filter="fade">
+                                      <p:cBhvr>
+                                        <p:cTn id="16" dur="500"/>
+                                        <p:tgtEl>
+                                          <p:spTgt spid="169412569"/>
                                         </p:tgtEl>
                                       </p:cBhvr>
                                     </p:animEffect>
@@ -35422,42 +37732,7 @@
                             </p:stCondLst>
                             <p:childTnLst>
                               <p:par>
-                                <p:cTn id="13" presetID="10" presetClass="entr" presetSubtype="0" fill="hold" grpId="0" nodeType="clickEffect">
-                                  <p:stCondLst>
-                                    <p:cond delay="0"/>
-                                  </p:stCondLst>
-                                  <p:childTnLst>
-                                    <p:set>
-                                      <p:cBhvr>
-                                        <p:cTn id="15" dur="1" fill="hold">
-                                          <p:stCondLst>
-                                            <p:cond delay="0"/>
-                                          </p:stCondLst>
-                                        </p:cTn>
-                                        <p:tgtEl>
-                                          <p:spTgt spid="1265376493"/>
-                                        </p:tgtEl>
-                                        <p:attrNameLst>
-                                          <p:attrName>style.visibility</p:attrName>
-                                        </p:attrNameLst>
-                                      </p:cBhvr>
-                                      <p:to>
-                                        <p:strVal val="visible"/>
-                                      </p:to>
-                                    </p:set>
-                                    <p:animEffect transition="in" filter="fade">
-                                      <p:cBhvr>
-                                        <p:cTn id="14" dur="500"/>
-                                        <p:tgtEl>
-                                          <p:spTgt spid="1265376493"/>
-                                        </p:tgtEl>
-                                      </p:cBhvr>
-                                    </p:animEffect>
-                                  </p:childTnLst>
-                                </p:cTn>
-                              </p:par>
-                              <p:par>
-                                <p:cTn id="10" presetID="10" presetClass="entr" presetSubtype="0" fill="hold" grpId="0" nodeType="withEffect">
+                                <p:cTn id="10" presetID="10" presetClass="entr" presetSubtype="0" fill="hold" grpId="0" nodeType="clickEffect">
                                   <p:stCondLst>
                                     <p:cond delay="0"/>
                                   </p:stCondLst>
@@ -35465,59 +37740,6 @@
                                     <p:set>
                                       <p:cBhvr>
                                         <p:cTn id="12" dur="1" fill="hold">
-                                          <p:stCondLst>
-                                            <p:cond delay="0"/>
-                                          </p:stCondLst>
-                                        </p:cTn>
-                                        <p:tgtEl>
-                                          <p:spTgt spid="169412569"/>
-                                        </p:tgtEl>
-                                        <p:attrNameLst>
-                                          <p:attrName>style.visibility</p:attrName>
-                                        </p:attrNameLst>
-                                      </p:cBhvr>
-                                      <p:to>
-                                        <p:strVal val="visible"/>
-                                      </p:to>
-                                    </p:set>
-                                    <p:animEffect transition="in" filter="fade">
-                                      <p:cBhvr>
-                                        <p:cTn id="11" dur="500"/>
-                                        <p:tgtEl>
-                                          <p:spTgt spid="169412569"/>
-                                        </p:tgtEl>
-                                      </p:cBhvr>
-                                    </p:animEffect>
-                                  </p:childTnLst>
-                                </p:cTn>
-                              </p:par>
-                            </p:childTnLst>
-                          </p:cTn>
-                        </p:par>
-                      </p:childTnLst>
-                    </p:cTn>
-                  </p:par>
-                  <p:par>
-                    <p:cTn id="3" fill="hold">
-                      <p:stCondLst>
-                        <p:cond delay="indefinite"/>
-                      </p:stCondLst>
-                      <p:childTnLst>
-                        <p:par>
-                          <p:cTn id="4" fill="hold">
-                            <p:stCondLst>
-                              <p:cond delay="0"/>
-                            </p:stCondLst>
-                            <p:childTnLst>
-                              <p:par>
-                                <p:cTn id="5" presetID="10" presetClass="entr" presetSubtype="0" fill="hold" grpId="0" nodeType="clickEffect">
-                                  <p:stCondLst>
-                                    <p:cond delay="0"/>
-                                  </p:stCondLst>
-                                  <p:childTnLst>
-                                    <p:set>
-                                      <p:cBhvr>
-                                        <p:cTn id="7" dur="1" fill="hold">
                                           <p:stCondLst>
                                             <p:cond delay="0"/>
                                           </p:stCondLst>
@@ -35535,7 +37757,7 @@
                                     </p:set>
                                     <p:animEffect transition="in" filter="fade">
                                       <p:cBhvr>
-                                        <p:cTn id="6" dur="500"/>
+                                        <p:cTn id="11" dur="500"/>
                                         <p:tgtEl>
                                           <p:spTgt spid="56935755"/>
                                         </p:tgtEl>
@@ -35622,7 +37844,7 @@
             </a:pPr>
             <a:r>
               <a:rPr lang="de-DE"/>
-              <a:t>5) </a:t>
+              <a:t>6) </a:t>
             </a:r>
             <a:r>
               <a:rPr/>
@@ -36595,7 +38817,7 @@
             </a:pPr>
             <a:r>
               <a:rPr lang="de-DE"/>
-              <a:t>6) </a:t>
+              <a:t>7) </a:t>
             </a:r>
             <a:r>
               <a:rPr/>
@@ -41650,7 +43872,7 @@
         <p:spPr bwMode="auto">
           <a:xfrm flipH="0" flipV="0">
             <a:off x="5984108" y="3635030"/>
-            <a:ext cx="1357468" cy="1160502"/>
+            <a:ext cx="1357467" cy="1160502"/>
           </a:xfrm>
           <a:prstGeom prst="rect">
             <a:avLst/>
@@ -42974,7 +45196,7 @@
         </p:nvSpPr>
         <p:spPr bwMode="auto">
           <a:xfrm flipH="0" flipV="0">
-            <a:off x="92244" y="2291563"/>
+            <a:off x="92243" y="2291563"/>
             <a:ext cx="3572057" cy="366119"/>
           </a:xfrm>
           <a:prstGeom prst="rect">
@@ -43092,7 +45314,7 @@
         </p:nvSpPr>
         <p:spPr bwMode="auto">
           <a:xfrm flipH="0" flipV="0">
-            <a:off x="4604806" y="3213076"/>
+            <a:off x="4611467" y="3506152"/>
             <a:ext cx="3489546" cy="366119"/>
           </a:xfrm>
           <a:prstGeom prst="rect">
@@ -43120,47 +45342,13 @@
       </p:sp>
       <p:sp>
         <p:nvSpPr>
-          <p:cNvPr id="1154701164" name=""/>
-          <p:cNvSpPr txBox="1"/>
-          <p:nvPr/>
-        </p:nvSpPr>
-        <p:spPr bwMode="auto">
-          <a:xfrm flipH="0" flipV="0">
-            <a:off x="4618486" y="3869026"/>
-            <a:ext cx="3497106" cy="366119"/>
-          </a:xfrm>
-          <a:prstGeom prst="rect">
-            <a:avLst/>
-          </a:prstGeom>
-          <a:noFill/>
-        </p:spPr>
-        <p:txBody>
-          <a:bodyPr vertOverflow="overflow" horzOverflow="overflow" vert="horz" wrap="square" lIns="91440" tIns="45720" rIns="91440" bIns="45720" numCol="1" spcCol="0" rtlCol="0" fromWordArt="0" anchor="t" anchorCtr="0" forceAA="0" upright="0" compatLnSpc="0">
-            <a:spAutoFit/>
-          </a:bodyPr>
-          <a:p>
-            <a:pPr marL="283879" indent="-283879">
-              <a:buFont typeface="Wingdings"/>
-              <a:buChar char="Ø"/>
-              <a:defRPr/>
-            </a:pPr>
-            <a:r>
-              <a:rPr/>
-              <a:t>Bestimmtheitsmaß R²</a:t>
-            </a:r>
-            <a:endParaRPr/>
-          </a:p>
-        </p:txBody>
-      </p:sp>
-      <p:sp>
-        <p:nvSpPr>
           <p:cNvPr id="685699462" name=""/>
           <p:cNvSpPr txBox="1"/>
           <p:nvPr/>
         </p:nvSpPr>
         <p:spPr bwMode="auto">
           <a:xfrm flipH="0" flipV="0">
-            <a:off x="92244" y="2764453"/>
+            <a:off x="92243" y="2764453"/>
             <a:ext cx="3573497" cy="366119"/>
           </a:xfrm>
           <a:prstGeom prst="rect">
@@ -43194,7 +45382,7 @@
         </p:nvSpPr>
         <p:spPr bwMode="auto">
           <a:xfrm flipH="0" flipV="0">
-            <a:off x="92244" y="3249076"/>
+            <a:off x="92243" y="3249076"/>
             <a:ext cx="3572777" cy="366119"/>
           </a:xfrm>
           <a:prstGeom prst="rect">
@@ -43670,59 +45858,6 @@
                                         <p:cTn id="11" dur="500"/>
                                         <p:tgtEl>
                                           <p:spTgt spid="96192838"/>
-                                        </p:tgtEl>
-                                      </p:cBhvr>
-                                    </p:animEffect>
-                                  </p:childTnLst>
-                                </p:cTn>
-                              </p:par>
-                            </p:childTnLst>
-                          </p:cTn>
-                        </p:par>
-                      </p:childTnLst>
-                    </p:cTn>
-                  </p:par>
-                  <p:par>
-                    <p:cTn id="3" fill="hold">
-                      <p:stCondLst>
-                        <p:cond delay="indefinite"/>
-                      </p:stCondLst>
-                      <p:childTnLst>
-                        <p:par>
-                          <p:cTn id="4" fill="hold">
-                            <p:stCondLst>
-                              <p:cond delay="0"/>
-                            </p:stCondLst>
-                            <p:childTnLst>
-                              <p:par>
-                                <p:cTn id="5" presetID="10" presetClass="entr" presetSubtype="0" fill="hold" grpId="0" nodeType="clickEffect">
-                                  <p:stCondLst>
-                                    <p:cond delay="0"/>
-                                  </p:stCondLst>
-                                  <p:childTnLst>
-                                    <p:set>
-                                      <p:cBhvr>
-                                        <p:cTn id="7" dur="1" fill="hold">
-                                          <p:stCondLst>
-                                            <p:cond delay="0"/>
-                                          </p:stCondLst>
-                                        </p:cTn>
-                                        <p:tgtEl>
-                                          <p:spTgt spid="1154701164"/>
-                                        </p:tgtEl>
-                                        <p:attrNameLst>
-                                          <p:attrName>style.visibility</p:attrName>
-                                        </p:attrNameLst>
-                                      </p:cBhvr>
-                                      <p:to>
-                                        <p:strVal val="visible"/>
-                                      </p:to>
-                                    </p:set>
-                                    <p:animEffect transition="in" filter="fade">
-                                      <p:cBhvr>
-                                        <p:cTn id="6" dur="500"/>
-                                        <p:tgtEl>
-                                          <p:spTgt spid="1154701164"/>
                                         </p:tgtEl>
                                       </p:cBhvr>
                                     </p:animEffect>
